--- a/s5_outils_numeriques/b1_outils_numeriques/seance1_demistifier_python/B1_2_Fonctions_Modules.pptx
+++ b/s5_outils_numeriques/b1_outils_numeriques/seance1_demistifier_python/B1_2_Fonctions_Modules.pptx
@@ -5628,7 +5628,43 @@
           <a:p>
             <a:r>
               <a:rPr lang="fr-FR" dirty="0"/>
-              <a:t>TODO</a:t>
+              <a:t>Intérêts</a:t>
+            </a:r>
+          </a:p>
+          <a:p>
+            <a:pPr lvl="1"/>
+            <a:r>
+              <a:rPr lang="fr-FR" dirty="0"/>
+              <a:t>réutilisation d’un même bloc </a:t>
+            </a:r>
+            <a:r>
+              <a:rPr lang="fr-FR" sz="2000" dirty="0"/>
+              <a:t>(avec des paramètres différents)</a:t>
+            </a:r>
+          </a:p>
+          <a:p>
+            <a:pPr lvl="1"/>
+            <a:r>
+              <a:rPr lang="fr-FR" dirty="0"/>
+              <a:t>meilleure lisibilité du code</a:t>
+            </a:r>
+          </a:p>
+          <a:p>
+            <a:pPr lvl="1"/>
+            <a:endParaRPr lang="fr-FR" dirty="0"/>
+          </a:p>
+          <a:p>
+            <a:pPr lvl="1"/>
+            <a:r>
+              <a:rPr lang="fr-FR" sz="2000" dirty="0"/>
+              <a:t>répartition du travail d’équipe</a:t>
+            </a:r>
+          </a:p>
+          <a:p>
+            <a:pPr lvl="1"/>
+            <a:r>
+              <a:rPr lang="fr-FR" sz="2000" dirty="0"/>
+              <a:t>validation simplifiée des fonctionnalités</a:t>
             </a:r>
           </a:p>
         </p:txBody>

--- a/s5_outils_numeriques/b1_outils_numeriques/seance1_demistifier_python/B1_2_Fonctions_Modules.pptx
+++ b/s5_outils_numeriques/b1_outils_numeriques/seance1_demistifier_python/B1_2_Fonctions_Modules.pptx
@@ -4,10 +4,21 @@
   <p:sldMasterIdLst>
     <p:sldMasterId id="2147483711" r:id="rId1"/>
   </p:sldMasterIdLst>
+  <p:notesMasterIdLst>
+    <p:notesMasterId r:id="rId13"/>
+  </p:notesMasterIdLst>
   <p:sldIdLst>
     <p:sldId id="256" r:id="rId2"/>
     <p:sldId id="257" r:id="rId3"/>
-    <p:sldId id="258" r:id="rId4"/>
+    <p:sldId id="262" r:id="rId4"/>
+    <p:sldId id="258" r:id="rId5"/>
+    <p:sldId id="259" r:id="rId6"/>
+    <p:sldId id="263" r:id="rId7"/>
+    <p:sldId id="264" r:id="rId8"/>
+    <p:sldId id="265" r:id="rId9"/>
+    <p:sldId id="260" r:id="rId10"/>
+    <p:sldId id="261" r:id="rId11"/>
+    <p:sldId id="266" r:id="rId12"/>
   </p:sldIdLst>
   <p:sldSz cx="12192000" cy="6858000"/>
   <p:notesSz cx="6858000" cy="9144000"/>
@@ -114,6 +125,355 @@
 </p:presentation>
 </file>
 
+<file path=ppt/notesMasters/notesMaster1.xml><?xml version="1.0" encoding="utf-8"?>
+<p:notesMaster xmlns:a="http://schemas.openxmlformats.org/drawingml/2006/main" xmlns:r="http://schemas.openxmlformats.org/officeDocument/2006/relationships" xmlns:p="http://schemas.openxmlformats.org/presentationml/2006/main">
+  <p:cSld>
+    <p:bg>
+      <p:bgRef idx="1001">
+        <a:schemeClr val="bg1"/>
+      </p:bgRef>
+    </p:bg>
+    <p:spTree>
+      <p:nvGrpSpPr>
+        <p:cNvPr id="1" name=""/>
+        <p:cNvGrpSpPr/>
+        <p:nvPr/>
+      </p:nvGrpSpPr>
+      <p:grpSpPr>
+        <a:xfrm>
+          <a:off x="0" y="0"/>
+          <a:ext cx="0" cy="0"/>
+          <a:chOff x="0" y="0"/>
+          <a:chExt cx="0" cy="0"/>
+        </a:xfrm>
+      </p:grpSpPr>
+      <p:sp>
+        <p:nvSpPr>
+          <p:cNvPr id="2" name="Espace réservé de l'en-tête 1"/>
+          <p:cNvSpPr>
+            <a:spLocks noGrp="1"/>
+          </p:cNvSpPr>
+          <p:nvPr>
+            <p:ph type="hdr" sz="quarter"/>
+          </p:nvPr>
+        </p:nvSpPr>
+        <p:spPr>
+          <a:xfrm>
+            <a:off x="0" y="0"/>
+            <a:ext cx="2971800" cy="458788"/>
+          </a:xfrm>
+          <a:prstGeom prst="rect">
+            <a:avLst/>
+          </a:prstGeom>
+        </p:spPr>
+        <p:txBody>
+          <a:bodyPr vert="horz" lIns="91440" tIns="45720" rIns="91440" bIns="45720" rtlCol="0"/>
+          <a:lstStyle>
+            <a:lvl1pPr algn="l">
+              <a:defRPr sz="1200"/>
+            </a:lvl1pPr>
+          </a:lstStyle>
+          <a:p>
+            <a:endParaRPr lang="fr-FR"/>
+          </a:p>
+        </p:txBody>
+      </p:sp>
+      <p:sp>
+        <p:nvSpPr>
+          <p:cNvPr id="3" name="Espace réservé de la date 2"/>
+          <p:cNvSpPr>
+            <a:spLocks noGrp="1"/>
+          </p:cNvSpPr>
+          <p:nvPr>
+            <p:ph type="dt" idx="1"/>
+          </p:nvPr>
+        </p:nvSpPr>
+        <p:spPr>
+          <a:xfrm>
+            <a:off x="3884613" y="0"/>
+            <a:ext cx="2971800" cy="458788"/>
+          </a:xfrm>
+          <a:prstGeom prst="rect">
+            <a:avLst/>
+          </a:prstGeom>
+        </p:spPr>
+        <p:txBody>
+          <a:bodyPr vert="horz" lIns="91440" tIns="45720" rIns="91440" bIns="45720" rtlCol="0"/>
+          <a:lstStyle>
+            <a:lvl1pPr algn="r">
+              <a:defRPr sz="1200"/>
+            </a:lvl1pPr>
+          </a:lstStyle>
+          <a:p>
+            <a:fld id="{03DCA889-C670-4F2B-9CA8-344932B44FAE}" type="datetimeFigureOut">
+              <a:rPr lang="fr-FR" smtClean="0"/>
+              <a:t>26/04/2023</a:t>
+            </a:fld>
+            <a:endParaRPr lang="fr-FR"/>
+          </a:p>
+        </p:txBody>
+      </p:sp>
+      <p:sp>
+        <p:nvSpPr>
+          <p:cNvPr id="4" name="Espace réservé de l'image des diapositives 3"/>
+          <p:cNvSpPr>
+            <a:spLocks noGrp="1" noRot="1" noChangeAspect="1"/>
+          </p:cNvSpPr>
+          <p:nvPr>
+            <p:ph type="sldImg" idx="2"/>
+          </p:nvPr>
+        </p:nvSpPr>
+        <p:spPr>
+          <a:xfrm>
+            <a:off x="685800" y="1143000"/>
+            <a:ext cx="5486400" cy="3086100"/>
+          </a:xfrm>
+          <a:prstGeom prst="rect">
+            <a:avLst/>
+          </a:prstGeom>
+          <a:noFill/>
+          <a:ln w="12700">
+            <a:solidFill>
+              <a:prstClr val="black"/>
+            </a:solidFill>
+          </a:ln>
+        </p:spPr>
+        <p:txBody>
+          <a:bodyPr vert="horz" lIns="91440" tIns="45720" rIns="91440" bIns="45720" rtlCol="0" anchor="ctr"/>
+          <a:lstStyle/>
+          <a:p>
+            <a:endParaRPr lang="fr-FR"/>
+          </a:p>
+        </p:txBody>
+      </p:sp>
+      <p:sp>
+        <p:nvSpPr>
+          <p:cNvPr id="5" name="Espace réservé des notes 4"/>
+          <p:cNvSpPr>
+            <a:spLocks noGrp="1"/>
+          </p:cNvSpPr>
+          <p:nvPr>
+            <p:ph type="body" sz="quarter" idx="3"/>
+          </p:nvPr>
+        </p:nvSpPr>
+        <p:spPr>
+          <a:xfrm>
+            <a:off x="685800" y="4400550"/>
+            <a:ext cx="5486400" cy="3600450"/>
+          </a:xfrm>
+          <a:prstGeom prst="rect">
+            <a:avLst/>
+          </a:prstGeom>
+        </p:spPr>
+        <p:txBody>
+          <a:bodyPr vert="horz" lIns="91440" tIns="45720" rIns="91440" bIns="45720" rtlCol="0"/>
+          <a:lstStyle/>
+          <a:p>
+            <a:pPr lvl="0"/>
+            <a:r>
+              <a:rPr lang="fr-FR"/>
+              <a:t>Cliquez pour modifier les styles du texte du masque</a:t>
+            </a:r>
+          </a:p>
+          <a:p>
+            <a:pPr lvl="1"/>
+            <a:r>
+              <a:rPr lang="fr-FR"/>
+              <a:t>Deuxième niveau</a:t>
+            </a:r>
+          </a:p>
+          <a:p>
+            <a:pPr lvl="2"/>
+            <a:r>
+              <a:rPr lang="fr-FR"/>
+              <a:t>Troisième niveau</a:t>
+            </a:r>
+          </a:p>
+          <a:p>
+            <a:pPr lvl="3"/>
+            <a:r>
+              <a:rPr lang="fr-FR"/>
+              <a:t>Quatrième niveau</a:t>
+            </a:r>
+          </a:p>
+          <a:p>
+            <a:pPr lvl="4"/>
+            <a:r>
+              <a:rPr lang="fr-FR"/>
+              <a:t>Cinquième niveau</a:t>
+            </a:r>
+          </a:p>
+        </p:txBody>
+      </p:sp>
+      <p:sp>
+        <p:nvSpPr>
+          <p:cNvPr id="6" name="Espace réservé du pied de page 5"/>
+          <p:cNvSpPr>
+            <a:spLocks noGrp="1"/>
+          </p:cNvSpPr>
+          <p:nvPr>
+            <p:ph type="ftr" sz="quarter" idx="4"/>
+          </p:nvPr>
+        </p:nvSpPr>
+        <p:spPr>
+          <a:xfrm>
+            <a:off x="0" y="8685213"/>
+            <a:ext cx="2971800" cy="458787"/>
+          </a:xfrm>
+          <a:prstGeom prst="rect">
+            <a:avLst/>
+          </a:prstGeom>
+        </p:spPr>
+        <p:txBody>
+          <a:bodyPr vert="horz" lIns="91440" tIns="45720" rIns="91440" bIns="45720" rtlCol="0" anchor="b"/>
+          <a:lstStyle>
+            <a:lvl1pPr algn="l">
+              <a:defRPr sz="1200"/>
+            </a:lvl1pPr>
+          </a:lstStyle>
+          <a:p>
+            <a:endParaRPr lang="fr-FR"/>
+          </a:p>
+        </p:txBody>
+      </p:sp>
+      <p:sp>
+        <p:nvSpPr>
+          <p:cNvPr id="7" name="Espace réservé du numéro de diapositive 6"/>
+          <p:cNvSpPr>
+            <a:spLocks noGrp="1"/>
+          </p:cNvSpPr>
+          <p:nvPr>
+            <p:ph type="sldNum" sz="quarter" idx="5"/>
+          </p:nvPr>
+        </p:nvSpPr>
+        <p:spPr>
+          <a:xfrm>
+            <a:off x="3884613" y="8685213"/>
+            <a:ext cx="2971800" cy="458787"/>
+          </a:xfrm>
+          <a:prstGeom prst="rect">
+            <a:avLst/>
+          </a:prstGeom>
+        </p:spPr>
+        <p:txBody>
+          <a:bodyPr vert="horz" lIns="91440" tIns="45720" rIns="91440" bIns="45720" rtlCol="0" anchor="b"/>
+          <a:lstStyle>
+            <a:lvl1pPr algn="r">
+              <a:defRPr sz="1200"/>
+            </a:lvl1pPr>
+          </a:lstStyle>
+          <a:p>
+            <a:fld id="{38BB20F8-EBFD-4E77-AE96-9D807A36BB2C}" type="slidenum">
+              <a:rPr lang="fr-FR" smtClean="0"/>
+              <a:t>‹N°›</a:t>
+            </a:fld>
+            <a:endParaRPr lang="fr-FR"/>
+          </a:p>
+        </p:txBody>
+      </p:sp>
+    </p:spTree>
+    <p:extLst>
+      <p:ext uri="{BB962C8B-B14F-4D97-AF65-F5344CB8AC3E}">
+        <p14:creationId xmlns:p14="http://schemas.microsoft.com/office/powerpoint/2010/main" val="198802665"/>
+      </p:ext>
+    </p:extLst>
+  </p:cSld>
+  <p:clrMap bg1="lt1" tx1="dk1" bg2="lt2" tx2="dk2" accent1="accent1" accent2="accent2" accent3="accent3" accent4="accent4" accent5="accent5" accent6="accent6" hlink="hlink" folHlink="folHlink"/>
+  <p:notesStyle>
+    <a:lvl1pPr marL="0" algn="l" defTabSz="914400" rtl="0" eaLnBrk="1" latinLnBrk="0" hangingPunct="1">
+      <a:defRPr sz="1200" kern="1200">
+        <a:solidFill>
+          <a:schemeClr val="tx1"/>
+        </a:solidFill>
+        <a:latin typeface="+mn-lt"/>
+        <a:ea typeface="+mn-ea"/>
+        <a:cs typeface="+mn-cs"/>
+      </a:defRPr>
+    </a:lvl1pPr>
+    <a:lvl2pPr marL="457200" algn="l" defTabSz="914400" rtl="0" eaLnBrk="1" latinLnBrk="0" hangingPunct="1">
+      <a:defRPr sz="1200" kern="1200">
+        <a:solidFill>
+          <a:schemeClr val="tx1"/>
+        </a:solidFill>
+        <a:latin typeface="+mn-lt"/>
+        <a:ea typeface="+mn-ea"/>
+        <a:cs typeface="+mn-cs"/>
+      </a:defRPr>
+    </a:lvl2pPr>
+    <a:lvl3pPr marL="914400" algn="l" defTabSz="914400" rtl="0" eaLnBrk="1" latinLnBrk="0" hangingPunct="1">
+      <a:defRPr sz="1200" kern="1200">
+        <a:solidFill>
+          <a:schemeClr val="tx1"/>
+        </a:solidFill>
+        <a:latin typeface="+mn-lt"/>
+        <a:ea typeface="+mn-ea"/>
+        <a:cs typeface="+mn-cs"/>
+      </a:defRPr>
+    </a:lvl3pPr>
+    <a:lvl4pPr marL="1371600" algn="l" defTabSz="914400" rtl="0" eaLnBrk="1" latinLnBrk="0" hangingPunct="1">
+      <a:defRPr sz="1200" kern="1200">
+        <a:solidFill>
+          <a:schemeClr val="tx1"/>
+        </a:solidFill>
+        <a:latin typeface="+mn-lt"/>
+        <a:ea typeface="+mn-ea"/>
+        <a:cs typeface="+mn-cs"/>
+      </a:defRPr>
+    </a:lvl4pPr>
+    <a:lvl5pPr marL="1828800" algn="l" defTabSz="914400" rtl="0" eaLnBrk="1" latinLnBrk="0" hangingPunct="1">
+      <a:defRPr sz="1200" kern="1200">
+        <a:solidFill>
+          <a:schemeClr val="tx1"/>
+        </a:solidFill>
+        <a:latin typeface="+mn-lt"/>
+        <a:ea typeface="+mn-ea"/>
+        <a:cs typeface="+mn-cs"/>
+      </a:defRPr>
+    </a:lvl5pPr>
+    <a:lvl6pPr marL="2286000" algn="l" defTabSz="914400" rtl="0" eaLnBrk="1" latinLnBrk="0" hangingPunct="1">
+      <a:defRPr sz="1200" kern="1200">
+        <a:solidFill>
+          <a:schemeClr val="tx1"/>
+        </a:solidFill>
+        <a:latin typeface="+mn-lt"/>
+        <a:ea typeface="+mn-ea"/>
+        <a:cs typeface="+mn-cs"/>
+      </a:defRPr>
+    </a:lvl6pPr>
+    <a:lvl7pPr marL="2743200" algn="l" defTabSz="914400" rtl="0" eaLnBrk="1" latinLnBrk="0" hangingPunct="1">
+      <a:defRPr sz="1200" kern="1200">
+        <a:solidFill>
+          <a:schemeClr val="tx1"/>
+        </a:solidFill>
+        <a:latin typeface="+mn-lt"/>
+        <a:ea typeface="+mn-ea"/>
+        <a:cs typeface="+mn-cs"/>
+      </a:defRPr>
+    </a:lvl7pPr>
+    <a:lvl8pPr marL="3200400" algn="l" defTabSz="914400" rtl="0" eaLnBrk="1" latinLnBrk="0" hangingPunct="1">
+      <a:defRPr sz="1200" kern="1200">
+        <a:solidFill>
+          <a:schemeClr val="tx1"/>
+        </a:solidFill>
+        <a:latin typeface="+mn-lt"/>
+        <a:ea typeface="+mn-ea"/>
+        <a:cs typeface="+mn-cs"/>
+      </a:defRPr>
+    </a:lvl8pPr>
+    <a:lvl9pPr marL="3657600" algn="l" defTabSz="914400" rtl="0" eaLnBrk="1" latinLnBrk="0" hangingPunct="1">
+      <a:defRPr sz="1200" kern="1200">
+        <a:solidFill>
+          <a:schemeClr val="tx1"/>
+        </a:solidFill>
+        <a:latin typeface="+mn-lt"/>
+        <a:ea typeface="+mn-ea"/>
+        <a:cs typeface="+mn-cs"/>
+      </a:defRPr>
+    </a:lvl9pPr>
+  </p:notesStyle>
+</p:notesMaster>
+</file>
+
 <file path=ppt/slideLayouts/slideLayout1.xml><?xml version="1.0" encoding="utf-8"?>
 <p:sldLayout xmlns:a="http://schemas.openxmlformats.org/drawingml/2006/main" xmlns:r="http://schemas.openxmlformats.org/officeDocument/2006/relationships" xmlns:p="http://schemas.openxmlformats.org/presentationml/2006/main" type="title" preserve="1">
   <p:cSld name="Title Slide">
@@ -268,9 +628,9 @@
           <a:bodyPr/>
           <a:lstStyle/>
           <a:p>
-            <a:fld id="{02AC24A9-CCB6-4F8D-B8DB-C2F3692CFA5A}" type="datetimeFigureOut">
+            <a:fld id="{197F5FAF-5219-49CF-B9F9-7884EF6E42B9}" type="datetime1">
               <a:rPr lang="en-US" smtClean="0"/>
-              <a:t>4/25/2023</a:t>
+              <a:t>4/26/2023</a:t>
             </a:fld>
             <a:endParaRPr lang="en-US" dirty="0"/>
           </a:p>
@@ -638,9 +998,9 @@
           <a:bodyPr/>
           <a:lstStyle/>
           <a:p>
-            <a:fld id="{02AC24A9-CCB6-4F8D-B8DB-C2F3692CFA5A}" type="datetimeFigureOut">
+            <a:fld id="{16A51A33-B76F-4595-8B5F-4CD2EB5913F5}" type="datetime1">
               <a:rPr lang="en-US" smtClean="0"/>
-              <a:t>4/25/2023</a:t>
+              <a:t>4/26/2023</a:t>
             </a:fld>
             <a:endParaRPr lang="en-US"/>
           </a:p>
@@ -847,9 +1207,9 @@
           <a:bodyPr/>
           <a:lstStyle/>
           <a:p>
-            <a:fld id="{02AC24A9-CCB6-4F8D-B8DB-C2F3692CFA5A}" type="datetimeFigureOut">
+            <a:fld id="{FE5BC590-F40E-4523-87A1-8CCA06813694}" type="datetime1">
               <a:rPr lang="en-US" smtClean="0"/>
-              <a:t>4/25/2023</a:t>
+              <a:t>4/26/2023</a:t>
             </a:fld>
             <a:endParaRPr lang="en-US"/>
           </a:p>
@@ -1317,9 +1677,9 @@
           <a:bodyPr/>
           <a:lstStyle/>
           <a:p>
-            <a:fld id="{02AC24A9-CCB6-4F8D-B8DB-C2F3692CFA5A}" type="datetimeFigureOut">
+            <a:fld id="{6AB5E0D3-F0E7-4543-9E6F-B0340CD1C43E}" type="datetime1">
               <a:rPr lang="en-US" smtClean="0"/>
-              <a:t>4/25/2023</a:t>
+              <a:t>4/26/2023</a:t>
             </a:fld>
             <a:endParaRPr lang="en-US"/>
           </a:p>
@@ -1771,9 +2131,9 @@
           <a:bodyPr/>
           <a:lstStyle/>
           <a:p>
-            <a:fld id="{02AC24A9-CCB6-4F8D-B8DB-C2F3692CFA5A}" type="datetimeFigureOut">
+            <a:fld id="{ABA34919-3714-40A8-8A3E-002B3D01AF56}" type="datetime1">
               <a:rPr lang="en-US" smtClean="0"/>
-              <a:t>4/25/2023</a:t>
+              <a:t>4/26/2023</a:t>
             </a:fld>
             <a:endParaRPr lang="en-US"/>
           </a:p>
@@ -2303,9 +2663,9 @@
           <a:bodyPr/>
           <a:lstStyle/>
           <a:p>
-            <a:fld id="{02AC24A9-CCB6-4F8D-B8DB-C2F3692CFA5A}" type="datetimeFigureOut">
+            <a:fld id="{355179A7-E3B8-41E1-AE75-28AD53844919}" type="datetime1">
               <a:rPr lang="en-US" smtClean="0"/>
-              <a:t>4/25/2023</a:t>
+              <a:t>4/26/2023</a:t>
             </a:fld>
             <a:endParaRPr lang="en-US"/>
           </a:p>
@@ -3002,9 +3362,9 @@
           <a:bodyPr/>
           <a:lstStyle/>
           <a:p>
-            <a:fld id="{02AC24A9-CCB6-4F8D-B8DB-C2F3692CFA5A}" type="datetimeFigureOut">
+            <a:fld id="{3A0FADFB-3FBB-41CD-9A07-1F761DB0E3C2}" type="datetime1">
               <a:rPr lang="en-US" smtClean="0"/>
-              <a:t>4/25/2023</a:t>
+              <a:t>4/26/2023</a:t>
             </a:fld>
             <a:endParaRPr lang="en-US"/>
           </a:p>
@@ -3331,9 +3691,9 @@
           <a:bodyPr/>
           <a:lstStyle/>
           <a:p>
-            <a:fld id="{02AC24A9-CCB6-4F8D-B8DB-C2F3692CFA5A}" type="datetimeFigureOut">
+            <a:fld id="{3A2C823D-F730-4889-9CB7-1C357042E6E1}" type="datetime1">
               <a:rPr lang="en-US" smtClean="0"/>
-              <a:t>4/25/2023</a:t>
+              <a:t>4/26/2023</a:t>
             </a:fld>
             <a:endParaRPr lang="en-US"/>
           </a:p>
@@ -3444,9 +3804,9 @@
           <a:bodyPr/>
           <a:lstStyle/>
           <a:p>
-            <a:fld id="{02AC24A9-CCB6-4F8D-B8DB-C2F3692CFA5A}" type="datetimeFigureOut">
+            <a:fld id="{61C273F2-0A1B-45A0-9C2E-712C41D8F8E5}" type="datetime1">
               <a:rPr lang="en-US" smtClean="0"/>
-              <a:t>4/25/2023</a:t>
+              <a:t>4/26/2023</a:t>
             </a:fld>
             <a:endParaRPr lang="en-US"/>
           </a:p>
@@ -3939,9 +4299,9 @@
           <a:bodyPr/>
           <a:lstStyle/>
           <a:p>
-            <a:fld id="{02AC24A9-CCB6-4F8D-B8DB-C2F3692CFA5A}" type="datetimeFigureOut">
+            <a:fld id="{A59DADA8-1464-454D-9EBA-7E55AED06514}" type="datetime1">
               <a:rPr lang="en-US" smtClean="0"/>
-              <a:t>4/25/2023</a:t>
+              <a:t>4/26/2023</a:t>
             </a:fld>
             <a:endParaRPr lang="en-US" dirty="0"/>
           </a:p>
@@ -4416,9 +4776,9 @@
           <a:bodyPr/>
           <a:lstStyle/>
           <a:p>
-            <a:fld id="{02AC24A9-CCB6-4F8D-B8DB-C2F3692CFA5A}" type="datetimeFigureOut">
+            <a:fld id="{CD84B399-7E12-4B8B-94D1-C43CF668FA4C}" type="datetime1">
               <a:rPr lang="en-US" smtClean="0"/>
-              <a:t>4/25/2023</a:t>
+              <a:t>4/26/2023</a:t>
             </a:fld>
             <a:endParaRPr lang="en-US"/>
           </a:p>
@@ -4659,9 +5019,9 @@
             </a:lvl1pPr>
           </a:lstStyle>
           <a:p>
-            <a:fld id="{02AC24A9-CCB6-4F8D-B8DB-C2F3692CFA5A}" type="datetimeFigureOut">
+            <a:fld id="{D52A94D7-D40A-4757-9521-0B59B41EFF15}" type="datetime1">
               <a:rPr lang="en-US" smtClean="0"/>
-              <a:t>4/25/2023</a:t>
+              <a:t>4/26/2023</a:t>
             </a:fld>
             <a:endParaRPr lang="en-US"/>
           </a:p>
@@ -4778,6 +5138,7 @@
     <p:sldLayoutId id="2147483703" r:id="rId10"/>
     <p:sldLayoutId id="2147483705" r:id="rId11"/>
   </p:sldLayoutIdLst>
+  <p:hf hdr="0" ftr="0" dt="0"/>
   <p:txStyles>
     <p:titleStyle>
       <a:lvl1pPr algn="l" defTabSz="914400" rtl="0" eaLnBrk="1" latinLnBrk="0" hangingPunct="1">
@@ -5547,6 +5908,35 @@
           </a:prstGeom>
         </p:spPr>
       </p:pic>
+      <p:sp>
+        <p:nvSpPr>
+          <p:cNvPr id="6" name="Espace réservé du numéro de diapositive 5">
+            <a:extLst>
+              <a:ext uri="{FF2B5EF4-FFF2-40B4-BE49-F238E27FC236}">
+                <a16:creationId xmlns:a16="http://schemas.microsoft.com/office/drawing/2014/main" id="{80965A64-6A9D-4DA3-13FB-82D6F3E73F62}"/>
+              </a:ext>
+            </a:extLst>
+          </p:cNvPr>
+          <p:cNvSpPr>
+            <a:spLocks noGrp="1"/>
+          </p:cNvSpPr>
+          <p:nvPr>
+            <p:ph type="sldNum" sz="quarter" idx="12"/>
+          </p:nvPr>
+        </p:nvSpPr>
+        <p:spPr/>
+        <p:txBody>
+          <a:bodyPr/>
+          <a:lstStyle/>
+          <a:p>
+            <a:fld id="{B2DC25EE-239B-4C5F-AAD1-255A7D5F1EE2}" type="slidenum">
+              <a:rPr lang="en-US" smtClean="0"/>
+              <a:t>1</a:t>
+            </a:fld>
+            <a:endParaRPr lang="en-US" dirty="0"/>
+          </a:p>
+        </p:txBody>
+      </p:sp>
     </p:spTree>
     <p:extLst>
       <p:ext uri="{BB962C8B-B14F-4D97-AF65-F5344CB8AC3E}">
@@ -5556,6 +5946,524 @@
   </p:cSld>
   <p:clrMapOvr>
     <a:overrideClrMapping bg1="dk1" tx1="lt1" bg2="dk2" tx2="lt2" accent1="accent1" accent2="accent2" accent3="accent3" accent4="accent4" accent5="accent5" accent6="accent6" hlink="hlink" folHlink="folHlink"/>
+  </p:clrMapOvr>
+</p:sld>
+</file>
+
+<file path=ppt/slides/slide10.xml><?xml version="1.0" encoding="utf-8"?>
+<p:sld xmlns:a="http://schemas.openxmlformats.org/drawingml/2006/main" xmlns:r="http://schemas.openxmlformats.org/officeDocument/2006/relationships" xmlns:p="http://schemas.openxmlformats.org/presentationml/2006/main">
+  <p:cSld>
+    <p:spTree>
+      <p:nvGrpSpPr>
+        <p:cNvPr id="1" name=""/>
+        <p:cNvGrpSpPr/>
+        <p:nvPr/>
+      </p:nvGrpSpPr>
+      <p:grpSpPr>
+        <a:xfrm>
+          <a:off x="0" y="0"/>
+          <a:ext cx="0" cy="0"/>
+          <a:chOff x="0" y="0"/>
+          <a:chExt cx="0" cy="0"/>
+        </a:xfrm>
+      </p:grpSpPr>
+      <p:sp>
+        <p:nvSpPr>
+          <p:cNvPr id="2" name="Titre 1">
+            <a:extLst>
+              <a:ext uri="{FF2B5EF4-FFF2-40B4-BE49-F238E27FC236}">
+                <a16:creationId xmlns:a16="http://schemas.microsoft.com/office/drawing/2014/main" id="{90162AE8-C1B0-5C56-8313-DEE494F38273}"/>
+              </a:ext>
+            </a:extLst>
+          </p:cNvPr>
+          <p:cNvSpPr>
+            <a:spLocks noGrp="1"/>
+          </p:cNvSpPr>
+          <p:nvPr>
+            <p:ph type="title"/>
+          </p:nvPr>
+        </p:nvSpPr>
+        <p:spPr/>
+        <p:txBody>
+          <a:bodyPr/>
+          <a:lstStyle/>
+          <a:p>
+            <a:r>
+              <a:rPr lang="fr-FR" dirty="0"/>
+              <a:t>Documenter ses fonctions</a:t>
+            </a:r>
+          </a:p>
+        </p:txBody>
+      </p:sp>
+      <p:sp>
+        <p:nvSpPr>
+          <p:cNvPr id="3" name="Espace réservé du contenu 2">
+            <a:extLst>
+              <a:ext uri="{FF2B5EF4-FFF2-40B4-BE49-F238E27FC236}">
+                <a16:creationId xmlns:a16="http://schemas.microsoft.com/office/drawing/2014/main" id="{E0BBB9DE-019C-C741-F224-494739D4B752}"/>
+              </a:ext>
+            </a:extLst>
+          </p:cNvPr>
+          <p:cNvSpPr>
+            <a:spLocks noGrp="1"/>
+          </p:cNvSpPr>
+          <p:nvPr>
+            <p:ph sz="half" idx="1"/>
+          </p:nvPr>
+        </p:nvSpPr>
+        <p:spPr/>
+        <p:txBody>
+          <a:bodyPr/>
+          <a:lstStyle/>
+          <a:p>
+            <a:r>
+              <a:rPr lang="fr-FR" dirty="0"/>
+              <a:t>Résultat de la doc</a:t>
+            </a:r>
+          </a:p>
+        </p:txBody>
+      </p:sp>
+      <p:pic>
+        <p:nvPicPr>
+          <p:cNvPr id="5" name="Image 4" descr="Une image contenant texte&#10;&#10;Description générée automatiquement">
+            <a:extLst>
+              <a:ext uri="{FF2B5EF4-FFF2-40B4-BE49-F238E27FC236}">
+                <a16:creationId xmlns:a16="http://schemas.microsoft.com/office/drawing/2014/main" id="{66D2630B-81F4-A4EB-21BA-8B90CF30BD92}"/>
+              </a:ext>
+            </a:extLst>
+          </p:cNvPr>
+          <p:cNvPicPr>
+            <a:picLocks noChangeAspect="1"/>
+          </p:cNvPicPr>
+          <p:nvPr/>
+        </p:nvPicPr>
+        <p:blipFill>
+          <a:blip r:embed="rId2">
+            <a:extLst>
+              <a:ext uri="{28A0092B-C50C-407E-A947-70E740481C1C}">
+                <a14:useLocalDpi xmlns:a14="http://schemas.microsoft.com/office/drawing/2010/main" val="0"/>
+              </a:ext>
+            </a:extLst>
+          </a:blip>
+          <a:stretch>
+            <a:fillRect/>
+          </a:stretch>
+        </p:blipFill>
+        <p:spPr>
+          <a:xfrm>
+            <a:off x="202922" y="5934456"/>
+            <a:ext cx="1825291" cy="749808"/>
+          </a:xfrm>
+          <a:prstGeom prst="rect">
+            <a:avLst/>
+          </a:prstGeom>
+        </p:spPr>
+      </p:pic>
+      <p:pic>
+        <p:nvPicPr>
+          <p:cNvPr id="6" name="Image 5">
+            <a:extLst>
+              <a:ext uri="{FF2B5EF4-FFF2-40B4-BE49-F238E27FC236}">
+                <a16:creationId xmlns:a16="http://schemas.microsoft.com/office/drawing/2014/main" id="{99650548-EFCD-F9BC-F08A-27FC857CDE5C}"/>
+              </a:ext>
+            </a:extLst>
+          </p:cNvPr>
+          <p:cNvPicPr>
+            <a:picLocks noChangeAspect="1"/>
+          </p:cNvPicPr>
+          <p:nvPr/>
+        </p:nvPicPr>
+        <p:blipFill>
+          <a:blip r:embed="rId3"/>
+          <a:stretch>
+            <a:fillRect/>
+          </a:stretch>
+        </p:blipFill>
+        <p:spPr>
+          <a:xfrm>
+            <a:off x="5422644" y="2239137"/>
+            <a:ext cx="5495925" cy="4171950"/>
+          </a:xfrm>
+          <a:prstGeom prst="rect">
+            <a:avLst/>
+          </a:prstGeom>
+        </p:spPr>
+      </p:pic>
+      <p:sp>
+        <p:nvSpPr>
+          <p:cNvPr id="7" name="Espace réservé du numéro de diapositive 6">
+            <a:extLst>
+              <a:ext uri="{FF2B5EF4-FFF2-40B4-BE49-F238E27FC236}">
+                <a16:creationId xmlns:a16="http://schemas.microsoft.com/office/drawing/2014/main" id="{CF127AA5-B0E0-E310-B15C-5015F7F9E9FC}"/>
+              </a:ext>
+            </a:extLst>
+          </p:cNvPr>
+          <p:cNvSpPr>
+            <a:spLocks noGrp="1"/>
+          </p:cNvSpPr>
+          <p:nvPr>
+            <p:ph type="sldNum" sz="quarter" idx="12"/>
+          </p:nvPr>
+        </p:nvSpPr>
+        <p:spPr/>
+        <p:txBody>
+          <a:bodyPr/>
+          <a:lstStyle/>
+          <a:p>
+            <a:fld id="{B2DC25EE-239B-4C5F-AAD1-255A7D5F1EE2}" type="slidenum">
+              <a:rPr lang="en-US" smtClean="0"/>
+              <a:t>10</a:t>
+            </a:fld>
+            <a:endParaRPr lang="en-US"/>
+          </a:p>
+        </p:txBody>
+      </p:sp>
+    </p:spTree>
+    <p:extLst>
+      <p:ext uri="{BB962C8B-B14F-4D97-AF65-F5344CB8AC3E}">
+        <p14:creationId xmlns:p14="http://schemas.microsoft.com/office/powerpoint/2010/main" val="2720933102"/>
+      </p:ext>
+    </p:extLst>
+  </p:cSld>
+  <p:clrMapOvr>
+    <a:masterClrMapping/>
+  </p:clrMapOvr>
+</p:sld>
+</file>
+
+<file path=ppt/slides/slide11.xml><?xml version="1.0" encoding="utf-8"?>
+<p:sld xmlns:a="http://schemas.openxmlformats.org/drawingml/2006/main" xmlns:r="http://schemas.openxmlformats.org/officeDocument/2006/relationships" xmlns:p="http://schemas.openxmlformats.org/presentationml/2006/main">
+  <p:cSld>
+    <p:spTree>
+      <p:nvGrpSpPr>
+        <p:cNvPr id="1" name=""/>
+        <p:cNvGrpSpPr/>
+        <p:nvPr/>
+      </p:nvGrpSpPr>
+      <p:grpSpPr>
+        <a:xfrm>
+          <a:off x="0" y="0"/>
+          <a:ext cx="0" cy="0"/>
+          <a:chOff x="0" y="0"/>
+          <a:chExt cx="0" cy="0"/>
+        </a:xfrm>
+      </p:grpSpPr>
+      <p:sp>
+        <p:nvSpPr>
+          <p:cNvPr id="2" name="Titre 1">
+            <a:extLst>
+              <a:ext uri="{FF2B5EF4-FFF2-40B4-BE49-F238E27FC236}">
+                <a16:creationId xmlns:a16="http://schemas.microsoft.com/office/drawing/2014/main" id="{90162AE8-C1B0-5C56-8313-DEE494F38273}"/>
+              </a:ext>
+            </a:extLst>
+          </p:cNvPr>
+          <p:cNvSpPr>
+            <a:spLocks noGrp="1"/>
+          </p:cNvSpPr>
+          <p:nvPr>
+            <p:ph type="title"/>
+          </p:nvPr>
+        </p:nvSpPr>
+        <p:spPr/>
+        <p:txBody>
+          <a:bodyPr/>
+          <a:lstStyle/>
+          <a:p>
+            <a:r>
+              <a:rPr lang="fr-FR" dirty="0"/>
+              <a:t>Créer des modules</a:t>
+            </a:r>
+          </a:p>
+        </p:txBody>
+      </p:sp>
+      <p:sp>
+        <p:nvSpPr>
+          <p:cNvPr id="3" name="Espace réservé du contenu 2">
+            <a:extLst>
+              <a:ext uri="{FF2B5EF4-FFF2-40B4-BE49-F238E27FC236}">
+                <a16:creationId xmlns:a16="http://schemas.microsoft.com/office/drawing/2014/main" id="{E0BBB9DE-019C-C741-F224-494739D4B752}"/>
+              </a:ext>
+            </a:extLst>
+          </p:cNvPr>
+          <p:cNvSpPr>
+            <a:spLocks noGrp="1"/>
+          </p:cNvSpPr>
+          <p:nvPr>
+            <p:ph sz="half" idx="1"/>
+          </p:nvPr>
+        </p:nvSpPr>
+        <p:spPr>
+          <a:xfrm>
+            <a:off x="1115568" y="2478024"/>
+            <a:ext cx="10168128" cy="3694176"/>
+          </a:xfrm>
+        </p:spPr>
+        <p:txBody>
+          <a:bodyPr/>
+          <a:lstStyle/>
+          <a:p>
+            <a:r>
+              <a:rPr lang="fr-FR" dirty="0"/>
+              <a:t>Regroupement de fonctions dans un fichier .</a:t>
+            </a:r>
+            <a:r>
+              <a:rPr lang="fr-FR" dirty="0" err="1"/>
+              <a:t>py</a:t>
+            </a:r>
+            <a:r>
+              <a:rPr lang="fr-FR" dirty="0"/>
+              <a:t> indépendant</a:t>
+            </a:r>
+          </a:p>
+          <a:p>
+            <a:pPr lvl="1"/>
+            <a:r>
+              <a:rPr lang="fr-FR" dirty="0"/>
+              <a:t>Permet de classifier ses fonctions par thématique</a:t>
+            </a:r>
+          </a:p>
+          <a:p>
+            <a:pPr lvl="1"/>
+            <a:r>
+              <a:rPr lang="fr-FR" dirty="0"/>
+              <a:t>Permet une réutilisation des fonctions</a:t>
+            </a:r>
+          </a:p>
+        </p:txBody>
+      </p:sp>
+      <p:pic>
+        <p:nvPicPr>
+          <p:cNvPr id="5" name="Image 4" descr="Une image contenant texte&#10;&#10;Description générée automatiquement">
+            <a:extLst>
+              <a:ext uri="{FF2B5EF4-FFF2-40B4-BE49-F238E27FC236}">
+                <a16:creationId xmlns:a16="http://schemas.microsoft.com/office/drawing/2014/main" id="{66D2630B-81F4-A4EB-21BA-8B90CF30BD92}"/>
+              </a:ext>
+            </a:extLst>
+          </p:cNvPr>
+          <p:cNvPicPr>
+            <a:picLocks noChangeAspect="1"/>
+          </p:cNvPicPr>
+          <p:nvPr/>
+        </p:nvPicPr>
+        <p:blipFill>
+          <a:blip r:embed="rId2">
+            <a:extLst>
+              <a:ext uri="{28A0092B-C50C-407E-A947-70E740481C1C}">
+                <a14:useLocalDpi xmlns:a14="http://schemas.microsoft.com/office/drawing/2010/main" val="0"/>
+              </a:ext>
+            </a:extLst>
+          </a:blip>
+          <a:stretch>
+            <a:fillRect/>
+          </a:stretch>
+        </p:blipFill>
+        <p:spPr>
+          <a:xfrm>
+            <a:off x="202922" y="5934456"/>
+            <a:ext cx="1825291" cy="749808"/>
+          </a:xfrm>
+          <a:prstGeom prst="rect">
+            <a:avLst/>
+          </a:prstGeom>
+        </p:spPr>
+      </p:pic>
+      <p:sp>
+        <p:nvSpPr>
+          <p:cNvPr id="7" name="Espace réservé du numéro de diapositive 6">
+            <a:extLst>
+              <a:ext uri="{FF2B5EF4-FFF2-40B4-BE49-F238E27FC236}">
+                <a16:creationId xmlns:a16="http://schemas.microsoft.com/office/drawing/2014/main" id="{CF127AA5-B0E0-E310-B15C-5015F7F9E9FC}"/>
+              </a:ext>
+            </a:extLst>
+          </p:cNvPr>
+          <p:cNvSpPr>
+            <a:spLocks noGrp="1"/>
+          </p:cNvSpPr>
+          <p:nvPr>
+            <p:ph type="sldNum" sz="quarter" idx="12"/>
+          </p:nvPr>
+        </p:nvSpPr>
+        <p:spPr/>
+        <p:txBody>
+          <a:bodyPr/>
+          <a:lstStyle/>
+          <a:p>
+            <a:fld id="{B2DC25EE-239B-4C5F-AAD1-255A7D5F1EE2}" type="slidenum">
+              <a:rPr lang="en-US" smtClean="0"/>
+              <a:t>11</a:t>
+            </a:fld>
+            <a:endParaRPr lang="en-US"/>
+          </a:p>
+        </p:txBody>
+      </p:sp>
+      <p:sp>
+        <p:nvSpPr>
+          <p:cNvPr id="4" name="ZoneTexte 3">
+            <a:extLst>
+              <a:ext uri="{FF2B5EF4-FFF2-40B4-BE49-F238E27FC236}">
+                <a16:creationId xmlns:a16="http://schemas.microsoft.com/office/drawing/2014/main" id="{4A4A850A-C866-5182-3A37-8A66CFE6FEA8}"/>
+              </a:ext>
+            </a:extLst>
+          </p:cNvPr>
+          <p:cNvSpPr txBox="1"/>
+          <p:nvPr/>
+        </p:nvSpPr>
+        <p:spPr>
+          <a:xfrm>
+            <a:off x="822960" y="4806715"/>
+            <a:ext cx="4765173" cy="646331"/>
+          </a:xfrm>
+          <a:prstGeom prst="rect">
+            <a:avLst/>
+          </a:prstGeom>
+          <a:solidFill>
+            <a:schemeClr val="accent1">
+              <a:lumMod val="40000"/>
+              <a:lumOff val="60000"/>
+            </a:schemeClr>
+          </a:solidFill>
+        </p:spPr>
+        <p:txBody>
+          <a:bodyPr wrap="square" rtlCol="0">
+            <a:spAutoFit/>
+          </a:bodyPr>
+          <a:lstStyle/>
+          <a:p>
+            <a:r>
+              <a:rPr lang="en-US" b="1" dirty="0"/>
+              <a:t>import </a:t>
+            </a:r>
+            <a:r>
+              <a:rPr lang="en-US" i="1" dirty="0" err="1"/>
+              <a:t>mymodule</a:t>
+            </a:r>
+            <a:endParaRPr lang="en-US" i="1" dirty="0"/>
+          </a:p>
+          <a:p>
+            <a:r>
+              <a:rPr lang="en-US" b="1" dirty="0"/>
+              <a:t>print( </a:t>
+            </a:r>
+            <a:r>
+              <a:rPr lang="en-US" i="1" dirty="0" err="1"/>
+              <a:t>mymodule</a:t>
+            </a:r>
+            <a:r>
+              <a:rPr lang="en-US" dirty="0" err="1"/>
+              <a:t>.</a:t>
+            </a:r>
+            <a:r>
+              <a:rPr lang="en-US" b="1" dirty="0" err="1"/>
+              <a:t>somme</a:t>
+            </a:r>
+            <a:r>
+              <a:rPr lang="en-US" b="1" dirty="0"/>
+              <a:t>(</a:t>
+            </a:r>
+            <a:r>
+              <a:rPr lang="en-US" dirty="0"/>
+              <a:t>2 , 3</a:t>
+            </a:r>
+            <a:r>
+              <a:rPr lang="en-US" b="1" dirty="0"/>
+              <a:t>) )</a:t>
+            </a:r>
+            <a:endParaRPr lang="fr-FR" b="1" dirty="0"/>
+          </a:p>
+        </p:txBody>
+      </p:sp>
+      <p:sp>
+        <p:nvSpPr>
+          <p:cNvPr id="9" name="ZoneTexte 8">
+            <a:extLst>
+              <a:ext uri="{FF2B5EF4-FFF2-40B4-BE49-F238E27FC236}">
+                <a16:creationId xmlns:a16="http://schemas.microsoft.com/office/drawing/2014/main" id="{FDB00875-C794-4F21-C8AC-7F57769E7562}"/>
+              </a:ext>
+            </a:extLst>
+          </p:cNvPr>
+          <p:cNvSpPr txBox="1"/>
+          <p:nvPr/>
+        </p:nvSpPr>
+        <p:spPr>
+          <a:xfrm>
+            <a:off x="6344973" y="4813130"/>
+            <a:ext cx="4765173" cy="1200329"/>
+          </a:xfrm>
+          <a:prstGeom prst="rect">
+            <a:avLst/>
+          </a:prstGeom>
+          <a:solidFill>
+            <a:schemeClr val="accent1">
+              <a:lumMod val="40000"/>
+              <a:lumOff val="60000"/>
+            </a:schemeClr>
+          </a:solidFill>
+        </p:spPr>
+        <p:txBody>
+          <a:bodyPr wrap="square" rtlCol="0">
+            <a:spAutoFit/>
+          </a:bodyPr>
+          <a:lstStyle/>
+          <a:p>
+            <a:r>
+              <a:rPr lang="en-US" dirty="0">
+                <a:highlight>
+                  <a:srgbClr val="C0C0C0"/>
+                </a:highlight>
+              </a:rPr>
+              <a:t>mymodule.py</a:t>
+            </a:r>
+          </a:p>
+          <a:p>
+            <a:endParaRPr lang="en-US" b="1" dirty="0"/>
+          </a:p>
+          <a:p>
+            <a:r>
+              <a:rPr lang="fr-FR" b="1" dirty="0" err="1"/>
+              <a:t>def</a:t>
+            </a:r>
+            <a:r>
+              <a:rPr lang="fr-FR" b="1" dirty="0"/>
+              <a:t> </a:t>
+            </a:r>
+            <a:r>
+              <a:rPr lang="fr-FR" i="1" dirty="0"/>
+              <a:t>somme</a:t>
+            </a:r>
+            <a:r>
+              <a:rPr lang="fr-FR" b="1" dirty="0"/>
+              <a:t>(</a:t>
+            </a:r>
+            <a:r>
+              <a:rPr lang="fr-FR" dirty="0"/>
+              <a:t>a, b</a:t>
+            </a:r>
+            <a:r>
+              <a:rPr lang="fr-FR" b="1" dirty="0"/>
+              <a:t>):</a:t>
+            </a:r>
+          </a:p>
+          <a:p>
+            <a:r>
+              <a:rPr lang="fr-FR" b="1" dirty="0"/>
+              <a:t>    </a:t>
+            </a:r>
+            <a:r>
+              <a:rPr lang="fr-FR" dirty="0"/>
+              <a:t>[…]</a:t>
+            </a:r>
+          </a:p>
+        </p:txBody>
+      </p:sp>
+    </p:spTree>
+    <p:extLst>
+      <p:ext uri="{BB962C8B-B14F-4D97-AF65-F5344CB8AC3E}">
+        <p14:creationId xmlns:p14="http://schemas.microsoft.com/office/powerpoint/2010/main" val="2908098047"/>
+      </p:ext>
+    </p:extLst>
+  </p:cSld>
+  <p:clrMapOvr>
+    <a:masterClrMapping/>
   </p:clrMapOvr>
 </p:sld>
 </file>
@@ -5705,6 +6613,35 @@
           </a:prstGeom>
         </p:spPr>
       </p:pic>
+      <p:sp>
+        <p:nvSpPr>
+          <p:cNvPr id="4" name="Espace réservé du numéro de diapositive 3">
+            <a:extLst>
+              <a:ext uri="{FF2B5EF4-FFF2-40B4-BE49-F238E27FC236}">
+                <a16:creationId xmlns:a16="http://schemas.microsoft.com/office/drawing/2014/main" id="{13C088D8-5B24-F11B-7F55-D714D8D0BD6F}"/>
+              </a:ext>
+            </a:extLst>
+          </p:cNvPr>
+          <p:cNvSpPr>
+            <a:spLocks noGrp="1"/>
+          </p:cNvSpPr>
+          <p:nvPr>
+            <p:ph type="sldNum" sz="quarter" idx="12"/>
+          </p:nvPr>
+        </p:nvSpPr>
+        <p:spPr/>
+        <p:txBody>
+          <a:bodyPr/>
+          <a:lstStyle/>
+          <a:p>
+            <a:fld id="{B2DC25EE-239B-4C5F-AAD1-255A7D5F1EE2}" type="slidenum">
+              <a:rPr lang="en-US" smtClean="0"/>
+              <a:t>2</a:t>
+            </a:fld>
+            <a:endParaRPr lang="en-US"/>
+          </a:p>
+        </p:txBody>
+      </p:sp>
     </p:spTree>
     <p:extLst>
       <p:ext uri="{BB962C8B-B14F-4D97-AF65-F5344CB8AC3E}">
@@ -5758,7 +6695,7 @@
           <a:p>
             <a:r>
               <a:rPr lang="fr-FR" dirty="0"/>
-              <a:t>Portée des variables et fonctions</a:t>
+              <a:t>Définition de fonctions</a:t>
             </a:r>
           </a:p>
         </p:txBody>
@@ -5779,14 +6716,19 @@
             <p:ph sz="half" idx="1"/>
           </p:nvPr>
         </p:nvSpPr>
-        <p:spPr/>
+        <p:spPr>
+          <a:xfrm>
+            <a:off x="1115568" y="2478024"/>
+            <a:ext cx="10168128" cy="3694176"/>
+          </a:xfrm>
+        </p:spPr>
         <p:txBody>
           <a:bodyPr/>
           <a:lstStyle/>
           <a:p>
             <a:r>
               <a:rPr lang="fr-FR" dirty="0"/>
-              <a:t>TODO</a:t>
+              <a:t>Fonction somme </a:t>
             </a:r>
           </a:p>
         </p:txBody>
@@ -5829,10 +6771,10 @@
       </p:pic>
       <p:sp>
         <p:nvSpPr>
-          <p:cNvPr id="6" name="ZoneTexte 5">
-            <a:extLst>
-              <a:ext uri="{FF2B5EF4-FFF2-40B4-BE49-F238E27FC236}">
-                <a16:creationId xmlns:a16="http://schemas.microsoft.com/office/drawing/2014/main" id="{C469B3E2-85F2-064E-2BFF-6C862459B6EF}"/>
+          <p:cNvPr id="7" name="ZoneTexte 6">
+            <a:extLst>
+              <a:ext uri="{FF2B5EF4-FFF2-40B4-BE49-F238E27FC236}">
+                <a16:creationId xmlns:a16="http://schemas.microsoft.com/office/drawing/2014/main" id="{141DCDDE-560C-4AA0-850E-FE30300A132A}"/>
               </a:ext>
             </a:extLst>
           </p:cNvPr>
@@ -5841,7 +6783,375 @@
         </p:nvSpPr>
         <p:spPr>
           <a:xfrm>
-            <a:off x="5506064" y="4806619"/>
+            <a:off x="822960" y="3302376"/>
+            <a:ext cx="4765173" cy="923330"/>
+          </a:xfrm>
+          <a:prstGeom prst="rect">
+            <a:avLst/>
+          </a:prstGeom>
+          <a:solidFill>
+            <a:schemeClr val="accent1">
+              <a:lumMod val="40000"/>
+              <a:lumOff val="60000"/>
+            </a:schemeClr>
+          </a:solidFill>
+        </p:spPr>
+        <p:txBody>
+          <a:bodyPr wrap="square" rtlCol="0">
+            <a:spAutoFit/>
+          </a:bodyPr>
+          <a:lstStyle/>
+          <a:p>
+            <a:r>
+              <a:rPr lang="en-US" b="1" dirty="0"/>
+              <a:t>def</a:t>
+            </a:r>
+            <a:r>
+              <a:rPr lang="en-US" dirty="0"/>
+              <a:t> </a:t>
+            </a:r>
+            <a:r>
+              <a:rPr lang="en-US" i="1" dirty="0" err="1"/>
+              <a:t>somme</a:t>
+            </a:r>
+            <a:r>
+              <a:rPr lang="en-US" b="1" dirty="0"/>
+              <a:t>(</a:t>
+            </a:r>
+            <a:r>
+              <a:rPr lang="en-US" dirty="0"/>
+              <a:t>a, b</a:t>
+            </a:r>
+            <a:r>
+              <a:rPr lang="en-US" b="1" dirty="0"/>
+              <a:t>)</a:t>
+            </a:r>
+            <a:r>
+              <a:rPr lang="en-US" dirty="0"/>
+              <a:t>:</a:t>
+            </a:r>
+          </a:p>
+          <a:p>
+            <a:r>
+              <a:rPr lang="en-US" dirty="0"/>
+              <a:t>    c </a:t>
+            </a:r>
+            <a:r>
+              <a:rPr lang="en-US" b="1" dirty="0"/>
+              <a:t>=</a:t>
+            </a:r>
+            <a:r>
+              <a:rPr lang="en-US" dirty="0"/>
+              <a:t> a + b</a:t>
+            </a:r>
+          </a:p>
+          <a:p>
+            <a:r>
+              <a:rPr lang="en-US" b="1" dirty="0"/>
+              <a:t>    return</a:t>
+            </a:r>
+            <a:r>
+              <a:rPr lang="en-US" dirty="0"/>
+              <a:t> </a:t>
+            </a:r>
+            <a:r>
+              <a:rPr lang="en-US" dirty="0" err="1"/>
+              <a:t>a</a:t>
+            </a:r>
+            <a:r>
+              <a:rPr lang="en-US" b="1" dirty="0" err="1"/>
+              <a:t>+</a:t>
+            </a:r>
+            <a:r>
+              <a:rPr lang="en-US" dirty="0" err="1"/>
+              <a:t>b</a:t>
+            </a:r>
+            <a:endParaRPr lang="fr-FR" b="1" i="1" dirty="0"/>
+          </a:p>
+        </p:txBody>
+      </p:sp>
+      <p:sp>
+        <p:nvSpPr>
+          <p:cNvPr id="11" name="Espace réservé du numéro de diapositive 10">
+            <a:extLst>
+              <a:ext uri="{FF2B5EF4-FFF2-40B4-BE49-F238E27FC236}">
+                <a16:creationId xmlns:a16="http://schemas.microsoft.com/office/drawing/2014/main" id="{43496856-2EC6-8CCC-9622-AB84D7206C8D}"/>
+              </a:ext>
+            </a:extLst>
+          </p:cNvPr>
+          <p:cNvSpPr>
+            <a:spLocks noGrp="1"/>
+          </p:cNvSpPr>
+          <p:nvPr>
+            <p:ph type="sldNum" sz="quarter" idx="12"/>
+          </p:nvPr>
+        </p:nvSpPr>
+        <p:spPr/>
+        <p:txBody>
+          <a:bodyPr/>
+          <a:lstStyle/>
+          <a:p>
+            <a:fld id="{B2DC25EE-239B-4C5F-AAD1-255A7D5F1EE2}" type="slidenum">
+              <a:rPr lang="en-US" smtClean="0"/>
+              <a:t>3</a:t>
+            </a:fld>
+            <a:endParaRPr lang="en-US"/>
+          </a:p>
+        </p:txBody>
+      </p:sp>
+      <p:sp>
+        <p:nvSpPr>
+          <p:cNvPr id="12" name="ZoneTexte 11">
+            <a:extLst>
+              <a:ext uri="{FF2B5EF4-FFF2-40B4-BE49-F238E27FC236}">
+                <a16:creationId xmlns:a16="http://schemas.microsoft.com/office/drawing/2014/main" id="{0A4C2B42-08D8-92B4-9607-5C4BCC28B5C8}"/>
+              </a:ext>
+            </a:extLst>
+          </p:cNvPr>
+          <p:cNvSpPr txBox="1"/>
+          <p:nvPr/>
+        </p:nvSpPr>
+        <p:spPr>
+          <a:xfrm>
+            <a:off x="822959" y="4499062"/>
+            <a:ext cx="4765173" cy="646331"/>
+          </a:xfrm>
+          <a:prstGeom prst="rect">
+            <a:avLst/>
+          </a:prstGeom>
+          <a:solidFill>
+            <a:schemeClr val="accent1">
+              <a:lumMod val="40000"/>
+              <a:lumOff val="60000"/>
+            </a:schemeClr>
+          </a:solidFill>
+        </p:spPr>
+        <p:txBody>
+          <a:bodyPr wrap="square" rtlCol="0">
+            <a:spAutoFit/>
+          </a:bodyPr>
+          <a:lstStyle/>
+          <a:p>
+            <a:r>
+              <a:rPr lang="en-US" dirty="0"/>
+              <a:t>k</a:t>
+            </a:r>
+            <a:r>
+              <a:rPr lang="en-US" b="1" dirty="0"/>
+              <a:t> = </a:t>
+            </a:r>
+            <a:r>
+              <a:rPr lang="en-US" b="1" dirty="0" err="1"/>
+              <a:t>somme</a:t>
+            </a:r>
+            <a:r>
+              <a:rPr lang="en-US" b="1" dirty="0"/>
+              <a:t>( </a:t>
+            </a:r>
+            <a:r>
+              <a:rPr lang="en-US" dirty="0"/>
+              <a:t>2.0, 5.1 </a:t>
+            </a:r>
+            <a:r>
+              <a:rPr lang="en-US" b="1" dirty="0"/>
+              <a:t>)</a:t>
+            </a:r>
+            <a:endParaRPr lang="en-US" b="1" i="1" dirty="0"/>
+          </a:p>
+          <a:p>
+            <a:r>
+              <a:rPr lang="en-US" b="1" dirty="0"/>
+              <a:t>print( </a:t>
+            </a:r>
+            <a:r>
+              <a:rPr lang="en-US" dirty="0"/>
+              <a:t>k </a:t>
+            </a:r>
+            <a:r>
+              <a:rPr lang="en-US" b="1" dirty="0"/>
+              <a:t>)</a:t>
+            </a:r>
+            <a:endParaRPr lang="fr-FR" b="1" dirty="0"/>
+          </a:p>
+        </p:txBody>
+      </p:sp>
+      <p:sp>
+        <p:nvSpPr>
+          <p:cNvPr id="13" name="ZoneTexte 12">
+            <a:extLst>
+              <a:ext uri="{FF2B5EF4-FFF2-40B4-BE49-F238E27FC236}">
+                <a16:creationId xmlns:a16="http://schemas.microsoft.com/office/drawing/2014/main" id="{98C2EF83-A081-F031-2162-D6873EDDED29}"/>
+              </a:ext>
+            </a:extLst>
+          </p:cNvPr>
+          <p:cNvSpPr txBox="1"/>
+          <p:nvPr/>
+        </p:nvSpPr>
+        <p:spPr>
+          <a:xfrm>
+            <a:off x="1391036" y="5234083"/>
+            <a:ext cx="4197096" cy="369332"/>
+          </a:xfrm>
+          <a:prstGeom prst="rect">
+            <a:avLst/>
+          </a:prstGeom>
+          <a:solidFill>
+            <a:schemeClr val="accent1">
+              <a:lumMod val="20000"/>
+              <a:lumOff val="80000"/>
+            </a:schemeClr>
+          </a:solidFill>
+        </p:spPr>
+        <p:txBody>
+          <a:bodyPr wrap="square" rtlCol="0">
+            <a:spAutoFit/>
+          </a:bodyPr>
+          <a:lstStyle/>
+          <a:p>
+            <a:r>
+              <a:rPr lang="fr-FR" dirty="0"/>
+              <a:t>7.1</a:t>
+            </a:r>
+          </a:p>
+        </p:txBody>
+      </p:sp>
+    </p:spTree>
+    <p:extLst>
+      <p:ext uri="{BB962C8B-B14F-4D97-AF65-F5344CB8AC3E}">
+        <p14:creationId xmlns:p14="http://schemas.microsoft.com/office/powerpoint/2010/main" val="3437527068"/>
+      </p:ext>
+    </p:extLst>
+  </p:cSld>
+  <p:clrMapOvr>
+    <a:masterClrMapping/>
+  </p:clrMapOvr>
+</p:sld>
+</file>
+
+<file path=ppt/slides/slide4.xml><?xml version="1.0" encoding="utf-8"?>
+<p:sld xmlns:a="http://schemas.openxmlformats.org/drawingml/2006/main" xmlns:r="http://schemas.openxmlformats.org/officeDocument/2006/relationships" xmlns:p="http://schemas.openxmlformats.org/presentationml/2006/main">
+  <p:cSld>
+    <p:spTree>
+      <p:nvGrpSpPr>
+        <p:cNvPr id="1" name=""/>
+        <p:cNvGrpSpPr/>
+        <p:nvPr/>
+      </p:nvGrpSpPr>
+      <p:grpSpPr>
+        <a:xfrm>
+          <a:off x="0" y="0"/>
+          <a:ext cx="0" cy="0"/>
+          <a:chOff x="0" y="0"/>
+          <a:chExt cx="0" cy="0"/>
+        </a:xfrm>
+      </p:grpSpPr>
+      <p:sp>
+        <p:nvSpPr>
+          <p:cNvPr id="2" name="Titre 1">
+            <a:extLst>
+              <a:ext uri="{FF2B5EF4-FFF2-40B4-BE49-F238E27FC236}">
+                <a16:creationId xmlns:a16="http://schemas.microsoft.com/office/drawing/2014/main" id="{90162AE8-C1B0-5C56-8313-DEE494F38273}"/>
+              </a:ext>
+            </a:extLst>
+          </p:cNvPr>
+          <p:cNvSpPr>
+            <a:spLocks noGrp="1"/>
+          </p:cNvSpPr>
+          <p:nvPr>
+            <p:ph type="title"/>
+          </p:nvPr>
+        </p:nvSpPr>
+        <p:spPr/>
+        <p:txBody>
+          <a:bodyPr/>
+          <a:lstStyle/>
+          <a:p>
+            <a:r>
+              <a:rPr lang="fr-FR" dirty="0"/>
+              <a:t>Portée des variables et fonctions</a:t>
+            </a:r>
+          </a:p>
+        </p:txBody>
+      </p:sp>
+      <p:sp>
+        <p:nvSpPr>
+          <p:cNvPr id="3" name="Espace réservé du contenu 2">
+            <a:extLst>
+              <a:ext uri="{FF2B5EF4-FFF2-40B4-BE49-F238E27FC236}">
+                <a16:creationId xmlns:a16="http://schemas.microsoft.com/office/drawing/2014/main" id="{E0BBB9DE-019C-C741-F224-494739D4B752}"/>
+              </a:ext>
+            </a:extLst>
+          </p:cNvPr>
+          <p:cNvSpPr>
+            <a:spLocks noGrp="1"/>
+          </p:cNvSpPr>
+          <p:nvPr>
+            <p:ph sz="half" idx="1"/>
+          </p:nvPr>
+        </p:nvSpPr>
+        <p:spPr/>
+        <p:txBody>
+          <a:bodyPr/>
+          <a:lstStyle/>
+          <a:p>
+            <a:r>
+              <a:rPr lang="fr-FR" dirty="0"/>
+              <a:t>Variables locales</a:t>
+            </a:r>
+          </a:p>
+        </p:txBody>
+      </p:sp>
+      <p:pic>
+        <p:nvPicPr>
+          <p:cNvPr id="5" name="Image 4" descr="Une image contenant texte&#10;&#10;Description générée automatiquement">
+            <a:extLst>
+              <a:ext uri="{FF2B5EF4-FFF2-40B4-BE49-F238E27FC236}">
+                <a16:creationId xmlns:a16="http://schemas.microsoft.com/office/drawing/2014/main" id="{66D2630B-81F4-A4EB-21BA-8B90CF30BD92}"/>
+              </a:ext>
+            </a:extLst>
+          </p:cNvPr>
+          <p:cNvPicPr>
+            <a:picLocks noChangeAspect="1"/>
+          </p:cNvPicPr>
+          <p:nvPr/>
+        </p:nvPicPr>
+        <p:blipFill>
+          <a:blip r:embed="rId2">
+            <a:extLst>
+              <a:ext uri="{28A0092B-C50C-407E-A947-70E740481C1C}">
+                <a14:useLocalDpi xmlns:a14="http://schemas.microsoft.com/office/drawing/2010/main" val="0"/>
+              </a:ext>
+            </a:extLst>
+          </a:blip>
+          <a:stretch>
+            <a:fillRect/>
+          </a:stretch>
+        </p:blipFill>
+        <p:spPr>
+          <a:xfrm>
+            <a:off x="202922" y="5934456"/>
+            <a:ext cx="1825291" cy="749808"/>
+          </a:xfrm>
+          <a:prstGeom prst="rect">
+            <a:avLst/>
+          </a:prstGeom>
+        </p:spPr>
+      </p:pic>
+      <p:sp>
+        <p:nvSpPr>
+          <p:cNvPr id="6" name="ZoneTexte 5">
+            <a:extLst>
+              <a:ext uri="{FF2B5EF4-FFF2-40B4-BE49-F238E27FC236}">
+                <a16:creationId xmlns:a16="http://schemas.microsoft.com/office/drawing/2014/main" id="{C469B3E2-85F2-064E-2BFF-6C862459B6EF}"/>
+              </a:ext>
+            </a:extLst>
+          </p:cNvPr>
+          <p:cNvSpPr txBox="1"/>
+          <p:nvPr/>
+        </p:nvSpPr>
+        <p:spPr>
+          <a:xfrm>
+            <a:off x="3489584" y="5663029"/>
             <a:ext cx="6096000" cy="646331"/>
           </a:xfrm>
           <a:prstGeom prst="rect">
@@ -5862,10 +7172,1528 @@
           </a:p>
         </p:txBody>
       </p:sp>
+      <p:sp>
+        <p:nvSpPr>
+          <p:cNvPr id="10" name="Espace réservé du numéro de diapositive 9">
+            <a:extLst>
+              <a:ext uri="{FF2B5EF4-FFF2-40B4-BE49-F238E27FC236}">
+                <a16:creationId xmlns:a16="http://schemas.microsoft.com/office/drawing/2014/main" id="{CDD83D1F-B741-96CD-3738-4B5FACA478B6}"/>
+              </a:ext>
+            </a:extLst>
+          </p:cNvPr>
+          <p:cNvSpPr>
+            <a:spLocks noGrp="1"/>
+          </p:cNvSpPr>
+          <p:nvPr>
+            <p:ph type="sldNum" sz="quarter" idx="12"/>
+          </p:nvPr>
+        </p:nvSpPr>
+        <p:spPr/>
+        <p:txBody>
+          <a:bodyPr/>
+          <a:lstStyle/>
+          <a:p>
+            <a:fld id="{B2DC25EE-239B-4C5F-AAD1-255A7D5F1EE2}" type="slidenum">
+              <a:rPr lang="en-US" smtClean="0"/>
+              <a:t>4</a:t>
+            </a:fld>
+            <a:endParaRPr lang="en-US"/>
+          </a:p>
+        </p:txBody>
+      </p:sp>
+      <p:sp>
+        <p:nvSpPr>
+          <p:cNvPr id="12" name="ZoneTexte 11">
+            <a:extLst>
+              <a:ext uri="{FF2B5EF4-FFF2-40B4-BE49-F238E27FC236}">
+                <a16:creationId xmlns:a16="http://schemas.microsoft.com/office/drawing/2014/main" id="{70DAA604-3807-2B35-AE2D-F269CBB7B172}"/>
+              </a:ext>
+            </a:extLst>
+          </p:cNvPr>
+          <p:cNvSpPr txBox="1"/>
+          <p:nvPr/>
+        </p:nvSpPr>
+        <p:spPr>
+          <a:xfrm>
+            <a:off x="822960" y="3302376"/>
+            <a:ext cx="4765173" cy="923330"/>
+          </a:xfrm>
+          <a:prstGeom prst="rect">
+            <a:avLst/>
+          </a:prstGeom>
+          <a:solidFill>
+            <a:schemeClr val="accent1">
+              <a:lumMod val="40000"/>
+              <a:lumOff val="60000"/>
+            </a:schemeClr>
+          </a:solidFill>
+        </p:spPr>
+        <p:txBody>
+          <a:bodyPr wrap="square" rtlCol="0">
+            <a:spAutoFit/>
+          </a:bodyPr>
+          <a:lstStyle/>
+          <a:p>
+            <a:r>
+              <a:rPr lang="en-US" b="1" dirty="0"/>
+              <a:t>def</a:t>
+            </a:r>
+            <a:r>
+              <a:rPr lang="en-US" dirty="0"/>
+              <a:t> </a:t>
+            </a:r>
+            <a:r>
+              <a:rPr lang="en-US" i="1" dirty="0" err="1"/>
+              <a:t>somme</a:t>
+            </a:r>
+            <a:r>
+              <a:rPr lang="en-US" b="1" dirty="0"/>
+              <a:t>(</a:t>
+            </a:r>
+            <a:r>
+              <a:rPr lang="en-US" dirty="0"/>
+              <a:t>a, b</a:t>
+            </a:r>
+            <a:r>
+              <a:rPr lang="en-US" b="1" dirty="0"/>
+              <a:t>)</a:t>
+            </a:r>
+            <a:r>
+              <a:rPr lang="en-US" dirty="0"/>
+              <a:t>:</a:t>
+            </a:r>
+          </a:p>
+          <a:p>
+            <a:r>
+              <a:rPr lang="en-US" dirty="0"/>
+              <a:t>    c </a:t>
+            </a:r>
+            <a:r>
+              <a:rPr lang="en-US" b="1" dirty="0"/>
+              <a:t>=</a:t>
+            </a:r>
+            <a:r>
+              <a:rPr lang="en-US" dirty="0"/>
+              <a:t> a + b</a:t>
+            </a:r>
+          </a:p>
+          <a:p>
+            <a:r>
+              <a:rPr lang="en-US" b="1" dirty="0"/>
+              <a:t>    return</a:t>
+            </a:r>
+            <a:r>
+              <a:rPr lang="en-US" dirty="0"/>
+              <a:t> </a:t>
+            </a:r>
+            <a:r>
+              <a:rPr lang="en-US" dirty="0" err="1"/>
+              <a:t>a</a:t>
+            </a:r>
+            <a:r>
+              <a:rPr lang="en-US" b="1" dirty="0" err="1"/>
+              <a:t>+</a:t>
+            </a:r>
+            <a:r>
+              <a:rPr lang="en-US" dirty="0" err="1"/>
+              <a:t>b</a:t>
+            </a:r>
+            <a:endParaRPr lang="fr-FR" b="1" i="1" dirty="0"/>
+          </a:p>
+        </p:txBody>
+      </p:sp>
+      <p:sp>
+        <p:nvSpPr>
+          <p:cNvPr id="13" name="ZoneTexte 12">
+            <a:extLst>
+              <a:ext uri="{FF2B5EF4-FFF2-40B4-BE49-F238E27FC236}">
+                <a16:creationId xmlns:a16="http://schemas.microsoft.com/office/drawing/2014/main" id="{D438DB1B-BBBA-6ECB-5832-3564DF6DC193}"/>
+              </a:ext>
+            </a:extLst>
+          </p:cNvPr>
+          <p:cNvSpPr txBox="1"/>
+          <p:nvPr/>
+        </p:nvSpPr>
+        <p:spPr>
+          <a:xfrm>
+            <a:off x="822959" y="4322082"/>
+            <a:ext cx="4765173" cy="369332"/>
+          </a:xfrm>
+          <a:prstGeom prst="rect">
+            <a:avLst/>
+          </a:prstGeom>
+          <a:solidFill>
+            <a:schemeClr val="accent1">
+              <a:lumMod val="40000"/>
+              <a:lumOff val="60000"/>
+            </a:schemeClr>
+          </a:solidFill>
+        </p:spPr>
+        <p:txBody>
+          <a:bodyPr wrap="square" rtlCol="0">
+            <a:spAutoFit/>
+          </a:bodyPr>
+          <a:lstStyle/>
+          <a:p>
+            <a:r>
+              <a:rPr lang="en-US" b="1" dirty="0"/>
+              <a:t>print( </a:t>
+            </a:r>
+            <a:r>
+              <a:rPr lang="en-US" dirty="0"/>
+              <a:t>c </a:t>
+            </a:r>
+            <a:r>
+              <a:rPr lang="en-US" b="1" dirty="0"/>
+              <a:t>)</a:t>
+            </a:r>
+            <a:endParaRPr lang="fr-FR" b="1" i="1" dirty="0"/>
+          </a:p>
+        </p:txBody>
+      </p:sp>
+      <p:sp>
+        <p:nvSpPr>
+          <p:cNvPr id="17" name="ZoneTexte 16">
+            <a:extLst>
+              <a:ext uri="{FF2B5EF4-FFF2-40B4-BE49-F238E27FC236}">
+                <a16:creationId xmlns:a16="http://schemas.microsoft.com/office/drawing/2014/main" id="{5ABF7E46-F603-9174-ACE5-FC93734FFEC0}"/>
+              </a:ext>
+            </a:extLst>
+          </p:cNvPr>
+          <p:cNvSpPr txBox="1"/>
+          <p:nvPr/>
+        </p:nvSpPr>
+        <p:spPr>
+          <a:xfrm>
+            <a:off x="1391036" y="4790848"/>
+            <a:ext cx="4197096" cy="369332"/>
+          </a:xfrm>
+          <a:prstGeom prst="rect">
+            <a:avLst/>
+          </a:prstGeom>
+          <a:solidFill>
+            <a:schemeClr val="accent6">
+              <a:lumMod val="40000"/>
+              <a:lumOff val="60000"/>
+            </a:schemeClr>
+          </a:solidFill>
+        </p:spPr>
+        <p:txBody>
+          <a:bodyPr wrap="square" rtlCol="0">
+            <a:spAutoFit/>
+          </a:bodyPr>
+          <a:lstStyle/>
+          <a:p>
+            <a:r>
+              <a:rPr lang="fr-FR" dirty="0"/>
+              <a:t>??</a:t>
+            </a:r>
+          </a:p>
+        </p:txBody>
+      </p:sp>
+      <p:sp>
+        <p:nvSpPr>
+          <p:cNvPr id="18" name="ZoneTexte 17">
+            <a:extLst>
+              <a:ext uri="{FF2B5EF4-FFF2-40B4-BE49-F238E27FC236}">
+                <a16:creationId xmlns:a16="http://schemas.microsoft.com/office/drawing/2014/main" id="{8DC14679-3E0B-2B03-FB92-FCF3D5E000A3}"/>
+              </a:ext>
+            </a:extLst>
+          </p:cNvPr>
+          <p:cNvSpPr txBox="1"/>
+          <p:nvPr/>
+        </p:nvSpPr>
+        <p:spPr>
+          <a:xfrm>
+            <a:off x="7086600" y="3719117"/>
+            <a:ext cx="4197096" cy="923330"/>
+          </a:xfrm>
+          <a:prstGeom prst="rect">
+            <a:avLst/>
+          </a:prstGeom>
+          <a:solidFill>
+            <a:schemeClr val="accent1">
+              <a:lumMod val="20000"/>
+              <a:lumOff val="80000"/>
+            </a:schemeClr>
+          </a:solidFill>
+        </p:spPr>
+        <p:txBody>
+          <a:bodyPr wrap="square" rtlCol="0">
+            <a:spAutoFit/>
+          </a:bodyPr>
+          <a:lstStyle/>
+          <a:p>
+            <a:r>
+              <a:rPr lang="en-US" dirty="0"/>
+              <a:t>print(c)</a:t>
+            </a:r>
+          </a:p>
+          <a:p>
+            <a:endParaRPr lang="en-US" dirty="0"/>
+          </a:p>
+          <a:p>
+            <a:r>
+              <a:rPr lang="en-US" dirty="0" err="1"/>
+              <a:t>NameError</a:t>
+            </a:r>
+            <a:r>
+              <a:rPr lang="en-US" dirty="0"/>
+              <a:t>: name 'c' is not defined</a:t>
+            </a:r>
+            <a:endParaRPr lang="fr-FR" dirty="0"/>
+          </a:p>
+        </p:txBody>
+      </p:sp>
     </p:spTree>
     <p:extLst>
       <p:ext uri="{BB962C8B-B14F-4D97-AF65-F5344CB8AC3E}">
         <p14:creationId xmlns:p14="http://schemas.microsoft.com/office/powerpoint/2010/main" val="796624240"/>
+      </p:ext>
+    </p:extLst>
+  </p:cSld>
+  <p:clrMapOvr>
+    <a:masterClrMapping/>
+  </p:clrMapOvr>
+</p:sld>
+</file>
+
+<file path=ppt/slides/slide5.xml><?xml version="1.0" encoding="utf-8"?>
+<p:sld xmlns:a="http://schemas.openxmlformats.org/drawingml/2006/main" xmlns:r="http://schemas.openxmlformats.org/officeDocument/2006/relationships" xmlns:p="http://schemas.openxmlformats.org/presentationml/2006/main">
+  <p:cSld>
+    <p:spTree>
+      <p:nvGrpSpPr>
+        <p:cNvPr id="1" name=""/>
+        <p:cNvGrpSpPr/>
+        <p:nvPr/>
+      </p:nvGrpSpPr>
+      <p:grpSpPr>
+        <a:xfrm>
+          <a:off x="0" y="0"/>
+          <a:ext cx="0" cy="0"/>
+          <a:chOff x="0" y="0"/>
+          <a:chExt cx="0" cy="0"/>
+        </a:xfrm>
+      </p:grpSpPr>
+      <p:sp>
+        <p:nvSpPr>
+          <p:cNvPr id="2" name="Titre 1">
+            <a:extLst>
+              <a:ext uri="{FF2B5EF4-FFF2-40B4-BE49-F238E27FC236}">
+                <a16:creationId xmlns:a16="http://schemas.microsoft.com/office/drawing/2014/main" id="{90162AE8-C1B0-5C56-8313-DEE494F38273}"/>
+              </a:ext>
+            </a:extLst>
+          </p:cNvPr>
+          <p:cNvSpPr>
+            <a:spLocks noGrp="1"/>
+          </p:cNvSpPr>
+          <p:nvPr>
+            <p:ph type="title"/>
+          </p:nvPr>
+        </p:nvSpPr>
+        <p:spPr/>
+        <p:txBody>
+          <a:bodyPr/>
+          <a:lstStyle/>
+          <a:p>
+            <a:r>
+              <a:rPr lang="fr-FR" dirty="0"/>
+              <a:t>Documenter ses fonctions</a:t>
+            </a:r>
+          </a:p>
+        </p:txBody>
+      </p:sp>
+      <p:sp>
+        <p:nvSpPr>
+          <p:cNvPr id="3" name="Espace réservé du contenu 2">
+            <a:extLst>
+              <a:ext uri="{FF2B5EF4-FFF2-40B4-BE49-F238E27FC236}">
+                <a16:creationId xmlns:a16="http://schemas.microsoft.com/office/drawing/2014/main" id="{E0BBB9DE-019C-C741-F224-494739D4B752}"/>
+              </a:ext>
+            </a:extLst>
+          </p:cNvPr>
+          <p:cNvSpPr>
+            <a:spLocks noGrp="1"/>
+          </p:cNvSpPr>
+          <p:nvPr>
+            <p:ph sz="half" idx="1"/>
+          </p:nvPr>
+        </p:nvSpPr>
+        <p:spPr>
+          <a:xfrm>
+            <a:off x="1115568" y="2478024"/>
+            <a:ext cx="10168128" cy="3694176"/>
+          </a:xfrm>
+        </p:spPr>
+        <p:txBody>
+          <a:bodyPr/>
+          <a:lstStyle/>
+          <a:p>
+            <a:r>
+              <a:rPr lang="fr-FR" dirty="0"/>
+              <a:t>Intérêts</a:t>
+            </a:r>
+          </a:p>
+          <a:p>
+            <a:pPr lvl="1"/>
+            <a:r>
+              <a:rPr lang="fr-FR" b="1" dirty="0"/>
+              <a:t>réutilisation simplifiée </a:t>
+            </a:r>
+            <a:r>
+              <a:rPr lang="fr-FR" dirty="0"/>
+              <a:t>des fonctions </a:t>
+            </a:r>
+            <a:r>
+              <a:rPr lang="fr-FR" i="1" dirty="0"/>
+              <a:t>(quelques jours, mois…) </a:t>
+            </a:r>
+          </a:p>
+          <a:p>
+            <a:pPr lvl="1"/>
+            <a:r>
+              <a:rPr lang="fr-FR" b="1" dirty="0"/>
+              <a:t>redistribution de vos codes </a:t>
+            </a:r>
+            <a:r>
+              <a:rPr lang="fr-FR" dirty="0"/>
+              <a:t>à des tierces personnes (collègues…)</a:t>
+            </a:r>
+          </a:p>
+        </p:txBody>
+      </p:sp>
+      <p:pic>
+        <p:nvPicPr>
+          <p:cNvPr id="5" name="Image 4" descr="Une image contenant texte&#10;&#10;Description générée automatiquement">
+            <a:extLst>
+              <a:ext uri="{FF2B5EF4-FFF2-40B4-BE49-F238E27FC236}">
+                <a16:creationId xmlns:a16="http://schemas.microsoft.com/office/drawing/2014/main" id="{66D2630B-81F4-A4EB-21BA-8B90CF30BD92}"/>
+              </a:ext>
+            </a:extLst>
+          </p:cNvPr>
+          <p:cNvPicPr>
+            <a:picLocks noChangeAspect="1"/>
+          </p:cNvPicPr>
+          <p:nvPr/>
+        </p:nvPicPr>
+        <p:blipFill>
+          <a:blip r:embed="rId2">
+            <a:extLst>
+              <a:ext uri="{28A0092B-C50C-407E-A947-70E740481C1C}">
+                <a14:useLocalDpi xmlns:a14="http://schemas.microsoft.com/office/drawing/2010/main" val="0"/>
+              </a:ext>
+            </a:extLst>
+          </a:blip>
+          <a:stretch>
+            <a:fillRect/>
+          </a:stretch>
+        </p:blipFill>
+        <p:spPr>
+          <a:xfrm>
+            <a:off x="202922" y="5934456"/>
+            <a:ext cx="1825291" cy="749808"/>
+          </a:xfrm>
+          <a:prstGeom prst="rect">
+            <a:avLst/>
+          </a:prstGeom>
+        </p:spPr>
+      </p:pic>
+      <p:sp>
+        <p:nvSpPr>
+          <p:cNvPr id="4" name="Espace réservé du numéro de diapositive 3">
+            <a:extLst>
+              <a:ext uri="{FF2B5EF4-FFF2-40B4-BE49-F238E27FC236}">
+                <a16:creationId xmlns:a16="http://schemas.microsoft.com/office/drawing/2014/main" id="{05F4C5F4-4172-6CD9-289F-008564BFF66F}"/>
+              </a:ext>
+            </a:extLst>
+          </p:cNvPr>
+          <p:cNvSpPr>
+            <a:spLocks noGrp="1"/>
+          </p:cNvSpPr>
+          <p:nvPr>
+            <p:ph type="sldNum" sz="quarter" idx="12"/>
+          </p:nvPr>
+        </p:nvSpPr>
+        <p:spPr/>
+        <p:txBody>
+          <a:bodyPr/>
+          <a:lstStyle/>
+          <a:p>
+            <a:fld id="{B2DC25EE-239B-4C5F-AAD1-255A7D5F1EE2}" type="slidenum">
+              <a:rPr lang="en-US" smtClean="0"/>
+              <a:t>5</a:t>
+            </a:fld>
+            <a:endParaRPr lang="en-US"/>
+          </a:p>
+        </p:txBody>
+      </p:sp>
+    </p:spTree>
+    <p:extLst>
+      <p:ext uri="{BB962C8B-B14F-4D97-AF65-F5344CB8AC3E}">
+        <p14:creationId xmlns:p14="http://schemas.microsoft.com/office/powerpoint/2010/main" val="2050535264"/>
+      </p:ext>
+    </p:extLst>
+  </p:cSld>
+  <p:clrMapOvr>
+    <a:masterClrMapping/>
+  </p:clrMapOvr>
+</p:sld>
+</file>
+
+<file path=ppt/slides/slide6.xml><?xml version="1.0" encoding="utf-8"?>
+<p:sld xmlns:a="http://schemas.openxmlformats.org/drawingml/2006/main" xmlns:r="http://schemas.openxmlformats.org/officeDocument/2006/relationships" xmlns:p="http://schemas.openxmlformats.org/presentationml/2006/main">
+  <p:cSld>
+    <p:spTree>
+      <p:nvGrpSpPr>
+        <p:cNvPr id="1" name=""/>
+        <p:cNvGrpSpPr/>
+        <p:nvPr/>
+      </p:nvGrpSpPr>
+      <p:grpSpPr>
+        <a:xfrm>
+          <a:off x="0" y="0"/>
+          <a:ext cx="0" cy="0"/>
+          <a:chOff x="0" y="0"/>
+          <a:chExt cx="0" cy="0"/>
+        </a:xfrm>
+      </p:grpSpPr>
+      <p:sp>
+        <p:nvSpPr>
+          <p:cNvPr id="2" name="Titre 1">
+            <a:extLst>
+              <a:ext uri="{FF2B5EF4-FFF2-40B4-BE49-F238E27FC236}">
+                <a16:creationId xmlns:a16="http://schemas.microsoft.com/office/drawing/2014/main" id="{90162AE8-C1B0-5C56-8313-DEE494F38273}"/>
+              </a:ext>
+            </a:extLst>
+          </p:cNvPr>
+          <p:cNvSpPr>
+            <a:spLocks noGrp="1"/>
+          </p:cNvSpPr>
+          <p:nvPr>
+            <p:ph type="title"/>
+          </p:nvPr>
+        </p:nvSpPr>
+        <p:spPr/>
+        <p:txBody>
+          <a:bodyPr/>
+          <a:lstStyle/>
+          <a:p>
+            <a:r>
+              <a:rPr lang="fr-FR" dirty="0"/>
+              <a:t>Documenter ses fonctions</a:t>
+            </a:r>
+          </a:p>
+        </p:txBody>
+      </p:sp>
+      <p:sp>
+        <p:nvSpPr>
+          <p:cNvPr id="3" name="Espace réservé du contenu 2">
+            <a:extLst>
+              <a:ext uri="{FF2B5EF4-FFF2-40B4-BE49-F238E27FC236}">
+                <a16:creationId xmlns:a16="http://schemas.microsoft.com/office/drawing/2014/main" id="{E0BBB9DE-019C-C741-F224-494739D4B752}"/>
+              </a:ext>
+            </a:extLst>
+          </p:cNvPr>
+          <p:cNvSpPr>
+            <a:spLocks noGrp="1"/>
+          </p:cNvSpPr>
+          <p:nvPr>
+            <p:ph sz="half" idx="1"/>
+          </p:nvPr>
+        </p:nvSpPr>
+        <p:spPr>
+          <a:xfrm>
+            <a:off x="1115568" y="2478024"/>
+            <a:ext cx="10168128" cy="3694176"/>
+          </a:xfrm>
+        </p:spPr>
+        <p:txBody>
+          <a:bodyPr>
+            <a:normAutofit/>
+          </a:bodyPr>
+          <a:lstStyle/>
+          <a:p>
+            <a:r>
+              <a:rPr lang="fr-FR" dirty="0"/>
+              <a:t>Conventions / </a:t>
+            </a:r>
+            <a:r>
+              <a:rPr lang="fr-FR" b="1" i="1" dirty="0"/>
+              <a:t>Python </a:t>
+            </a:r>
+            <a:r>
+              <a:rPr lang="fr-FR" b="1" i="1" dirty="0" err="1"/>
+              <a:t>Enhancement</a:t>
+            </a:r>
+            <a:r>
+              <a:rPr lang="fr-FR" b="1" i="1" dirty="0"/>
+              <a:t> </a:t>
+            </a:r>
+            <a:r>
+              <a:rPr lang="fr-FR" b="1" i="1" dirty="0" err="1"/>
+              <a:t>Proposal</a:t>
+            </a:r>
+            <a:r>
+              <a:rPr lang="fr-FR" b="1" i="1" dirty="0"/>
+              <a:t> (PEP)</a:t>
+            </a:r>
+          </a:p>
+          <a:p>
+            <a:pPr lvl="1"/>
+            <a:r>
+              <a:rPr lang="fr-FR" b="1" dirty="0"/>
+              <a:t>PEP 8 : guide de style </a:t>
+            </a:r>
+          </a:p>
+          <a:p>
+            <a:pPr lvl="2"/>
+            <a:r>
+              <a:rPr lang="fr-FR" dirty="0"/>
+              <a:t>Recommandations pour aider les développeurs Python à écrire du code compréhensible par des </a:t>
+            </a:r>
+            <a:r>
+              <a:rPr lang="fr-FR" b="1" dirty="0"/>
+              <a:t>tierces personnes</a:t>
+            </a:r>
+          </a:p>
+          <a:p>
+            <a:pPr lvl="1"/>
+            <a:r>
+              <a:rPr lang="fr-FR" b="1" dirty="0"/>
+              <a:t>PEP 257 : chaine de documentation</a:t>
+            </a:r>
+          </a:p>
+          <a:p>
+            <a:pPr lvl="2"/>
+            <a:r>
+              <a:rPr lang="fr-FR" dirty="0"/>
+              <a:t>Recommandations pour aider les développeurs à documenter leurs codes et pour générer des documentations au format </a:t>
+            </a:r>
+            <a:r>
+              <a:rPr lang="fr-FR" b="1" i="1" dirty="0" err="1"/>
+              <a:t>docstring</a:t>
+            </a:r>
+            <a:endParaRPr lang="fr-FR" b="1" i="1" dirty="0"/>
+          </a:p>
+          <a:p>
+            <a:pPr lvl="1"/>
+            <a:endParaRPr lang="fr-FR" b="1" dirty="0"/>
+          </a:p>
+        </p:txBody>
+      </p:sp>
+      <p:pic>
+        <p:nvPicPr>
+          <p:cNvPr id="5" name="Image 4" descr="Une image contenant texte&#10;&#10;Description générée automatiquement">
+            <a:extLst>
+              <a:ext uri="{FF2B5EF4-FFF2-40B4-BE49-F238E27FC236}">
+                <a16:creationId xmlns:a16="http://schemas.microsoft.com/office/drawing/2014/main" id="{66D2630B-81F4-A4EB-21BA-8B90CF30BD92}"/>
+              </a:ext>
+            </a:extLst>
+          </p:cNvPr>
+          <p:cNvPicPr>
+            <a:picLocks noChangeAspect="1"/>
+          </p:cNvPicPr>
+          <p:nvPr/>
+        </p:nvPicPr>
+        <p:blipFill>
+          <a:blip r:embed="rId2">
+            <a:extLst>
+              <a:ext uri="{28A0092B-C50C-407E-A947-70E740481C1C}">
+                <a14:useLocalDpi xmlns:a14="http://schemas.microsoft.com/office/drawing/2010/main" val="0"/>
+              </a:ext>
+            </a:extLst>
+          </a:blip>
+          <a:stretch>
+            <a:fillRect/>
+          </a:stretch>
+        </p:blipFill>
+        <p:spPr>
+          <a:xfrm>
+            <a:off x="202922" y="5934456"/>
+            <a:ext cx="1825291" cy="749808"/>
+          </a:xfrm>
+          <a:prstGeom prst="rect">
+            <a:avLst/>
+          </a:prstGeom>
+        </p:spPr>
+      </p:pic>
+      <p:sp>
+        <p:nvSpPr>
+          <p:cNvPr id="4" name="Espace réservé du numéro de diapositive 3">
+            <a:extLst>
+              <a:ext uri="{FF2B5EF4-FFF2-40B4-BE49-F238E27FC236}">
+                <a16:creationId xmlns:a16="http://schemas.microsoft.com/office/drawing/2014/main" id="{977CCBB9-D647-A4EE-B90E-6C152A91027B}"/>
+              </a:ext>
+            </a:extLst>
+          </p:cNvPr>
+          <p:cNvSpPr>
+            <a:spLocks noGrp="1"/>
+          </p:cNvSpPr>
+          <p:nvPr>
+            <p:ph type="sldNum" sz="quarter" idx="12"/>
+          </p:nvPr>
+        </p:nvSpPr>
+        <p:spPr/>
+        <p:txBody>
+          <a:bodyPr/>
+          <a:lstStyle/>
+          <a:p>
+            <a:fld id="{B2DC25EE-239B-4C5F-AAD1-255A7D5F1EE2}" type="slidenum">
+              <a:rPr lang="en-US" smtClean="0"/>
+              <a:t>6</a:t>
+            </a:fld>
+            <a:endParaRPr lang="en-US"/>
+          </a:p>
+        </p:txBody>
+      </p:sp>
+    </p:spTree>
+    <p:extLst>
+      <p:ext uri="{BB962C8B-B14F-4D97-AF65-F5344CB8AC3E}">
+        <p14:creationId xmlns:p14="http://schemas.microsoft.com/office/powerpoint/2010/main" val="2556241566"/>
+      </p:ext>
+    </p:extLst>
+  </p:cSld>
+  <p:clrMapOvr>
+    <a:masterClrMapping/>
+  </p:clrMapOvr>
+</p:sld>
+</file>
+
+<file path=ppt/slides/slide7.xml><?xml version="1.0" encoding="utf-8"?>
+<p:sld xmlns:a="http://schemas.openxmlformats.org/drawingml/2006/main" xmlns:r="http://schemas.openxmlformats.org/officeDocument/2006/relationships" xmlns:p="http://schemas.openxmlformats.org/presentationml/2006/main">
+  <p:cSld>
+    <p:spTree>
+      <p:nvGrpSpPr>
+        <p:cNvPr id="1" name=""/>
+        <p:cNvGrpSpPr/>
+        <p:nvPr/>
+      </p:nvGrpSpPr>
+      <p:grpSpPr>
+        <a:xfrm>
+          <a:off x="0" y="0"/>
+          <a:ext cx="0" cy="0"/>
+          <a:chOff x="0" y="0"/>
+          <a:chExt cx="0" cy="0"/>
+        </a:xfrm>
+      </p:grpSpPr>
+      <p:sp>
+        <p:nvSpPr>
+          <p:cNvPr id="2" name="Titre 1">
+            <a:extLst>
+              <a:ext uri="{FF2B5EF4-FFF2-40B4-BE49-F238E27FC236}">
+                <a16:creationId xmlns:a16="http://schemas.microsoft.com/office/drawing/2014/main" id="{90162AE8-C1B0-5C56-8313-DEE494F38273}"/>
+              </a:ext>
+            </a:extLst>
+          </p:cNvPr>
+          <p:cNvSpPr>
+            <a:spLocks noGrp="1"/>
+          </p:cNvSpPr>
+          <p:nvPr>
+            <p:ph type="title"/>
+          </p:nvPr>
+        </p:nvSpPr>
+        <p:spPr/>
+        <p:txBody>
+          <a:bodyPr/>
+          <a:lstStyle/>
+          <a:p>
+            <a:r>
+              <a:rPr lang="fr-FR" dirty="0"/>
+              <a:t>PEP 8 / Quelques recommandations</a:t>
+            </a:r>
+          </a:p>
+        </p:txBody>
+      </p:sp>
+      <p:sp>
+        <p:nvSpPr>
+          <p:cNvPr id="3" name="Espace réservé du contenu 2">
+            <a:extLst>
+              <a:ext uri="{FF2B5EF4-FFF2-40B4-BE49-F238E27FC236}">
+                <a16:creationId xmlns:a16="http://schemas.microsoft.com/office/drawing/2014/main" id="{E0BBB9DE-019C-C741-F224-494739D4B752}"/>
+              </a:ext>
+            </a:extLst>
+          </p:cNvPr>
+          <p:cNvSpPr>
+            <a:spLocks noGrp="1"/>
+          </p:cNvSpPr>
+          <p:nvPr>
+            <p:ph sz="half" idx="1"/>
+          </p:nvPr>
+        </p:nvSpPr>
+        <p:spPr>
+          <a:xfrm>
+            <a:off x="1115568" y="2478024"/>
+            <a:ext cx="10168128" cy="3694176"/>
+          </a:xfrm>
+        </p:spPr>
+        <p:txBody>
+          <a:bodyPr>
+            <a:normAutofit fontScale="85000" lnSpcReduction="20000"/>
+          </a:bodyPr>
+          <a:lstStyle/>
+          <a:p>
+            <a:r>
+              <a:rPr lang="fr-FR" b="1" dirty="0"/>
+              <a:t>noms de variables en minuscules</a:t>
+            </a:r>
+            <a:r>
+              <a:rPr lang="fr-FR" dirty="0"/>
+              <a:t>, avec des </a:t>
+            </a:r>
+            <a:r>
+              <a:rPr lang="fr-FR" dirty="0" err="1"/>
+              <a:t>underscores</a:t>
+            </a:r>
+            <a:r>
+              <a:rPr lang="fr-FR" dirty="0"/>
+              <a:t> (tirets bas). Convention « </a:t>
+            </a:r>
+            <a:r>
+              <a:rPr lang="fr-FR" b="1" i="1" dirty="0" err="1"/>
+              <a:t>snake_case</a:t>
+            </a:r>
+            <a:r>
+              <a:rPr lang="fr-FR" dirty="0"/>
+              <a:t> »</a:t>
+            </a:r>
+          </a:p>
+          <a:p>
+            <a:r>
+              <a:rPr lang="fr-FR" b="1" dirty="0"/>
+              <a:t>constantes en majuscules</a:t>
+            </a:r>
+            <a:r>
+              <a:rPr lang="fr-FR" dirty="0"/>
+              <a:t>, avec des </a:t>
+            </a:r>
+            <a:r>
+              <a:rPr lang="fr-FR" dirty="0" err="1"/>
+              <a:t>underscores</a:t>
+            </a:r>
+            <a:r>
+              <a:rPr lang="fr-FR" dirty="0"/>
+              <a:t> </a:t>
+            </a:r>
+          </a:p>
+          <a:p>
+            <a:r>
+              <a:rPr lang="fr-FR" b="1" dirty="0"/>
+              <a:t>noms de classe </a:t>
+            </a:r>
+            <a:r>
+              <a:rPr lang="fr-FR" dirty="0"/>
+              <a:t>avec une majuscule au début de chaque mot, sans ponctuation. Convention « </a:t>
+            </a:r>
+            <a:r>
+              <a:rPr lang="fr-FR" b="1" i="1" dirty="0" err="1"/>
+              <a:t>CapitalizedCase</a:t>
+            </a:r>
+            <a:r>
+              <a:rPr lang="fr-FR" dirty="0"/>
+              <a:t> »</a:t>
+            </a:r>
+          </a:p>
+          <a:p>
+            <a:endParaRPr lang="fr-FR" b="1" i="1" dirty="0"/>
+          </a:p>
+          <a:p>
+            <a:r>
+              <a:rPr lang="fr-FR" b="1" i="1" dirty="0"/>
+              <a:t>Commenter et documenter</a:t>
+            </a:r>
+          </a:p>
+          <a:p>
+            <a:pPr lvl="1"/>
+            <a:r>
+              <a:rPr lang="fr-FR" dirty="0"/>
+              <a:t>phrases complètes en anglais</a:t>
+            </a:r>
+          </a:p>
+          <a:p>
+            <a:pPr lvl="1"/>
+            <a:r>
+              <a:rPr lang="fr-FR" dirty="0"/>
+              <a:t>pas de commentaires qui contredisent le code</a:t>
+            </a:r>
+          </a:p>
+        </p:txBody>
+      </p:sp>
+      <p:pic>
+        <p:nvPicPr>
+          <p:cNvPr id="5" name="Image 4" descr="Une image contenant texte&#10;&#10;Description générée automatiquement">
+            <a:extLst>
+              <a:ext uri="{FF2B5EF4-FFF2-40B4-BE49-F238E27FC236}">
+                <a16:creationId xmlns:a16="http://schemas.microsoft.com/office/drawing/2014/main" id="{66D2630B-81F4-A4EB-21BA-8B90CF30BD92}"/>
+              </a:ext>
+            </a:extLst>
+          </p:cNvPr>
+          <p:cNvPicPr>
+            <a:picLocks noChangeAspect="1"/>
+          </p:cNvPicPr>
+          <p:nvPr/>
+        </p:nvPicPr>
+        <p:blipFill>
+          <a:blip r:embed="rId2">
+            <a:extLst>
+              <a:ext uri="{28A0092B-C50C-407E-A947-70E740481C1C}">
+                <a14:useLocalDpi xmlns:a14="http://schemas.microsoft.com/office/drawing/2010/main" val="0"/>
+              </a:ext>
+            </a:extLst>
+          </a:blip>
+          <a:stretch>
+            <a:fillRect/>
+          </a:stretch>
+        </p:blipFill>
+        <p:spPr>
+          <a:xfrm>
+            <a:off x="202922" y="5934456"/>
+            <a:ext cx="1825291" cy="749808"/>
+          </a:xfrm>
+          <a:prstGeom prst="rect">
+            <a:avLst/>
+          </a:prstGeom>
+        </p:spPr>
+      </p:pic>
+      <p:sp>
+        <p:nvSpPr>
+          <p:cNvPr id="4" name="Espace réservé du numéro de diapositive 3">
+            <a:extLst>
+              <a:ext uri="{FF2B5EF4-FFF2-40B4-BE49-F238E27FC236}">
+                <a16:creationId xmlns:a16="http://schemas.microsoft.com/office/drawing/2014/main" id="{03D64384-B01A-70F6-A44D-7A9F86E9660D}"/>
+              </a:ext>
+            </a:extLst>
+          </p:cNvPr>
+          <p:cNvSpPr>
+            <a:spLocks noGrp="1"/>
+          </p:cNvSpPr>
+          <p:nvPr>
+            <p:ph type="sldNum" sz="quarter" idx="12"/>
+          </p:nvPr>
+        </p:nvSpPr>
+        <p:spPr/>
+        <p:txBody>
+          <a:bodyPr/>
+          <a:lstStyle/>
+          <a:p>
+            <a:fld id="{B2DC25EE-239B-4C5F-AAD1-255A7D5F1EE2}" type="slidenum">
+              <a:rPr lang="en-US" smtClean="0"/>
+              <a:t>7</a:t>
+            </a:fld>
+            <a:endParaRPr lang="en-US"/>
+          </a:p>
+        </p:txBody>
+      </p:sp>
+    </p:spTree>
+    <p:extLst>
+      <p:ext uri="{BB962C8B-B14F-4D97-AF65-F5344CB8AC3E}">
+        <p14:creationId xmlns:p14="http://schemas.microsoft.com/office/powerpoint/2010/main" val="2984494282"/>
+      </p:ext>
+    </p:extLst>
+  </p:cSld>
+  <p:clrMapOvr>
+    <a:masterClrMapping/>
+  </p:clrMapOvr>
+</p:sld>
+</file>
+
+<file path=ppt/slides/slide8.xml><?xml version="1.0" encoding="utf-8"?>
+<p:sld xmlns:a="http://schemas.openxmlformats.org/drawingml/2006/main" xmlns:r="http://schemas.openxmlformats.org/officeDocument/2006/relationships" xmlns:p="http://schemas.openxmlformats.org/presentationml/2006/main">
+  <p:cSld>
+    <p:spTree>
+      <p:nvGrpSpPr>
+        <p:cNvPr id="1" name=""/>
+        <p:cNvGrpSpPr/>
+        <p:nvPr/>
+      </p:nvGrpSpPr>
+      <p:grpSpPr>
+        <a:xfrm>
+          <a:off x="0" y="0"/>
+          <a:ext cx="0" cy="0"/>
+          <a:chOff x="0" y="0"/>
+          <a:chExt cx="0" cy="0"/>
+        </a:xfrm>
+      </p:grpSpPr>
+      <p:sp>
+        <p:nvSpPr>
+          <p:cNvPr id="2" name="Titre 1">
+            <a:extLst>
+              <a:ext uri="{FF2B5EF4-FFF2-40B4-BE49-F238E27FC236}">
+                <a16:creationId xmlns:a16="http://schemas.microsoft.com/office/drawing/2014/main" id="{90162AE8-C1B0-5C56-8313-DEE494F38273}"/>
+              </a:ext>
+            </a:extLst>
+          </p:cNvPr>
+          <p:cNvSpPr>
+            <a:spLocks noGrp="1"/>
+          </p:cNvSpPr>
+          <p:nvPr>
+            <p:ph type="title"/>
+          </p:nvPr>
+        </p:nvSpPr>
+        <p:spPr/>
+        <p:txBody>
+          <a:bodyPr/>
+          <a:lstStyle/>
+          <a:p>
+            <a:r>
+              <a:rPr lang="fr-FR" dirty="0"/>
+              <a:t>Documenter ses fonctions</a:t>
+            </a:r>
+          </a:p>
+        </p:txBody>
+      </p:sp>
+      <p:sp>
+        <p:nvSpPr>
+          <p:cNvPr id="3" name="Espace réservé du contenu 2">
+            <a:extLst>
+              <a:ext uri="{FF2B5EF4-FFF2-40B4-BE49-F238E27FC236}">
+                <a16:creationId xmlns:a16="http://schemas.microsoft.com/office/drawing/2014/main" id="{E0BBB9DE-019C-C741-F224-494739D4B752}"/>
+              </a:ext>
+            </a:extLst>
+          </p:cNvPr>
+          <p:cNvSpPr>
+            <a:spLocks noGrp="1"/>
+          </p:cNvSpPr>
+          <p:nvPr>
+            <p:ph sz="half" idx="1"/>
+          </p:nvPr>
+        </p:nvSpPr>
+        <p:spPr>
+          <a:xfrm>
+            <a:off x="1115568" y="2478024"/>
+            <a:ext cx="10168128" cy="3694176"/>
+          </a:xfrm>
+        </p:spPr>
+        <p:txBody>
+          <a:bodyPr/>
+          <a:lstStyle/>
+          <a:p>
+            <a:r>
+              <a:rPr lang="fr-FR" b="1" i="1" dirty="0" err="1"/>
+              <a:t>Docstring</a:t>
+            </a:r>
+            <a:r>
+              <a:rPr lang="fr-FR" b="1" i="1" dirty="0"/>
+              <a:t> </a:t>
+            </a:r>
+            <a:r>
+              <a:rPr lang="fr-FR" dirty="0"/>
+              <a:t>pour une fonction</a:t>
+            </a:r>
+          </a:p>
+        </p:txBody>
+      </p:sp>
+      <p:pic>
+        <p:nvPicPr>
+          <p:cNvPr id="5" name="Image 4" descr="Une image contenant texte&#10;&#10;Description générée automatiquement">
+            <a:extLst>
+              <a:ext uri="{FF2B5EF4-FFF2-40B4-BE49-F238E27FC236}">
+                <a16:creationId xmlns:a16="http://schemas.microsoft.com/office/drawing/2014/main" id="{66D2630B-81F4-A4EB-21BA-8B90CF30BD92}"/>
+              </a:ext>
+            </a:extLst>
+          </p:cNvPr>
+          <p:cNvPicPr>
+            <a:picLocks noChangeAspect="1"/>
+          </p:cNvPicPr>
+          <p:nvPr/>
+        </p:nvPicPr>
+        <p:blipFill>
+          <a:blip r:embed="rId2">
+            <a:extLst>
+              <a:ext uri="{28A0092B-C50C-407E-A947-70E740481C1C}">
+                <a14:useLocalDpi xmlns:a14="http://schemas.microsoft.com/office/drawing/2010/main" val="0"/>
+              </a:ext>
+            </a:extLst>
+          </a:blip>
+          <a:stretch>
+            <a:fillRect/>
+          </a:stretch>
+        </p:blipFill>
+        <p:spPr>
+          <a:xfrm>
+            <a:off x="202922" y="5934456"/>
+            <a:ext cx="1825291" cy="749808"/>
+          </a:xfrm>
+          <a:prstGeom prst="rect">
+            <a:avLst/>
+          </a:prstGeom>
+        </p:spPr>
+      </p:pic>
+      <p:sp>
+        <p:nvSpPr>
+          <p:cNvPr id="7" name="ZoneTexte 6">
+            <a:extLst>
+              <a:ext uri="{FF2B5EF4-FFF2-40B4-BE49-F238E27FC236}">
+                <a16:creationId xmlns:a16="http://schemas.microsoft.com/office/drawing/2014/main" id="{141DCDDE-560C-4AA0-850E-FE30300A132A}"/>
+              </a:ext>
+            </a:extLst>
+          </p:cNvPr>
+          <p:cNvSpPr txBox="1"/>
+          <p:nvPr/>
+        </p:nvSpPr>
+        <p:spPr>
+          <a:xfrm>
+            <a:off x="822960" y="3302376"/>
+            <a:ext cx="4765173" cy="2308324"/>
+          </a:xfrm>
+          <a:prstGeom prst="rect">
+            <a:avLst/>
+          </a:prstGeom>
+          <a:solidFill>
+            <a:schemeClr val="accent1">
+              <a:lumMod val="40000"/>
+              <a:lumOff val="60000"/>
+            </a:schemeClr>
+          </a:solidFill>
+        </p:spPr>
+        <p:txBody>
+          <a:bodyPr wrap="square" rtlCol="0">
+            <a:spAutoFit/>
+          </a:bodyPr>
+          <a:lstStyle/>
+          <a:p>
+            <a:r>
+              <a:rPr lang="en-US" b="1" dirty="0"/>
+              <a:t>def</a:t>
+            </a:r>
+            <a:r>
+              <a:rPr lang="en-US" dirty="0"/>
+              <a:t> </a:t>
+            </a:r>
+            <a:r>
+              <a:rPr lang="en-US" i="1" dirty="0" err="1"/>
+              <a:t>somme</a:t>
+            </a:r>
+            <a:r>
+              <a:rPr lang="en-US" b="1" dirty="0"/>
+              <a:t>(</a:t>
+            </a:r>
+            <a:r>
+              <a:rPr lang="en-US" dirty="0"/>
+              <a:t>a, b</a:t>
+            </a:r>
+            <a:r>
+              <a:rPr lang="en-US" b="1" dirty="0"/>
+              <a:t>)</a:t>
+            </a:r>
+            <a:r>
+              <a:rPr lang="en-US" dirty="0"/>
+              <a:t>:</a:t>
+            </a:r>
+          </a:p>
+          <a:p>
+            <a:r>
+              <a:rPr lang="en-US" dirty="0"/>
+              <a:t>    '''</a:t>
+            </a:r>
+          </a:p>
+          <a:p>
+            <a:r>
+              <a:rPr lang="en-US" dirty="0"/>
+              <a:t>    </a:t>
+            </a:r>
+            <a:r>
+              <a:rPr lang="en-US" i="1" dirty="0"/>
+              <a:t>Return the sum of a and b</a:t>
+            </a:r>
+          </a:p>
+          <a:p>
+            <a:endParaRPr lang="en-US" i="1" dirty="0"/>
+          </a:p>
+          <a:p>
+            <a:r>
+              <a:rPr lang="en-US" i="1" dirty="0"/>
+              <a:t>    Parameters</a:t>
+            </a:r>
+          </a:p>
+          <a:p>
+            <a:r>
+              <a:rPr lang="en-US" i="1" dirty="0"/>
+              <a:t>    ----------</a:t>
+            </a:r>
+          </a:p>
+          <a:p>
+            <a:r>
+              <a:rPr lang="en-US" i="1" dirty="0"/>
+              <a:t>    a : int or float</a:t>
+            </a:r>
+          </a:p>
+          <a:p>
+            <a:r>
+              <a:rPr lang="en-US" i="1" dirty="0"/>
+              <a:t>        first term of the addition.</a:t>
+            </a:r>
+            <a:endParaRPr lang="fr-FR" b="1" i="1" dirty="0"/>
+          </a:p>
+        </p:txBody>
+      </p:sp>
+      <p:sp>
+        <p:nvSpPr>
+          <p:cNvPr id="9" name="ZoneTexte 8">
+            <a:extLst>
+              <a:ext uri="{FF2B5EF4-FFF2-40B4-BE49-F238E27FC236}">
+                <a16:creationId xmlns:a16="http://schemas.microsoft.com/office/drawing/2014/main" id="{818CC8F7-7E60-C2F2-2E39-D7D01611F7B7}"/>
+              </a:ext>
+            </a:extLst>
+          </p:cNvPr>
+          <p:cNvSpPr txBox="1"/>
+          <p:nvPr/>
+        </p:nvSpPr>
+        <p:spPr>
+          <a:xfrm>
+            <a:off x="6500779" y="4041039"/>
+            <a:ext cx="6096000" cy="646331"/>
+          </a:xfrm>
+          <a:prstGeom prst="rect">
+            <a:avLst/>
+          </a:prstGeom>
+          <a:noFill/>
+        </p:spPr>
+        <p:txBody>
+          <a:bodyPr wrap="square">
+            <a:spAutoFit/>
+          </a:bodyPr>
+          <a:lstStyle/>
+          <a:p>
+            <a:endParaRPr lang="en-US" dirty="0"/>
+          </a:p>
+          <a:p>
+            <a:r>
+              <a:rPr lang="en-US" dirty="0"/>
+              <a:t>    </a:t>
+            </a:r>
+            <a:endParaRPr lang="fr-FR" dirty="0"/>
+          </a:p>
+        </p:txBody>
+      </p:sp>
+      <p:sp>
+        <p:nvSpPr>
+          <p:cNvPr id="10" name="ZoneTexte 9">
+            <a:extLst>
+              <a:ext uri="{FF2B5EF4-FFF2-40B4-BE49-F238E27FC236}">
+                <a16:creationId xmlns:a16="http://schemas.microsoft.com/office/drawing/2014/main" id="{00886A2F-1D28-656D-18F5-E29A0C9DE4FE}"/>
+              </a:ext>
+            </a:extLst>
+          </p:cNvPr>
+          <p:cNvSpPr txBox="1"/>
+          <p:nvPr/>
+        </p:nvSpPr>
+        <p:spPr>
+          <a:xfrm>
+            <a:off x="6344973" y="3298959"/>
+            <a:ext cx="4765173" cy="3139321"/>
+          </a:xfrm>
+          <a:prstGeom prst="rect">
+            <a:avLst/>
+          </a:prstGeom>
+          <a:solidFill>
+            <a:schemeClr val="accent1">
+              <a:lumMod val="40000"/>
+              <a:lumOff val="60000"/>
+            </a:schemeClr>
+          </a:solidFill>
+        </p:spPr>
+        <p:txBody>
+          <a:bodyPr wrap="square" rtlCol="0">
+            <a:spAutoFit/>
+          </a:bodyPr>
+          <a:lstStyle/>
+          <a:p>
+            <a:r>
+              <a:rPr lang="en-US" dirty="0"/>
+              <a:t>[…]</a:t>
+            </a:r>
+          </a:p>
+          <a:p>
+            <a:endParaRPr lang="en-US" dirty="0"/>
+          </a:p>
+          <a:p>
+            <a:r>
+              <a:rPr lang="en-US" i="1" dirty="0"/>
+              <a:t>    b : int or float</a:t>
+            </a:r>
+          </a:p>
+          <a:p>
+            <a:r>
+              <a:rPr lang="en-US" i="1" dirty="0"/>
+              <a:t>        second term of the addition.</a:t>
+            </a:r>
+          </a:p>
+          <a:p>
+            <a:endParaRPr lang="en-US" i="1" dirty="0"/>
+          </a:p>
+          <a:p>
+            <a:r>
+              <a:rPr lang="en-US" i="1" dirty="0"/>
+              <a:t>    Returns</a:t>
+            </a:r>
+          </a:p>
+          <a:p>
+            <a:r>
+              <a:rPr lang="en-US" i="1" dirty="0"/>
+              <a:t>    -------</a:t>
+            </a:r>
+          </a:p>
+          <a:p>
+            <a:r>
+              <a:rPr lang="en-US" i="1" dirty="0"/>
+              <a:t>    int or float</a:t>
+            </a:r>
+          </a:p>
+          <a:p>
+            <a:r>
+              <a:rPr lang="en-US" i="1" dirty="0"/>
+              <a:t>        Return the sum of a and b.</a:t>
+            </a:r>
+          </a:p>
+          <a:p>
+            <a:r>
+              <a:rPr lang="en-US" dirty="0"/>
+              <a:t>    '''</a:t>
+            </a:r>
+          </a:p>
+          <a:p>
+            <a:r>
+              <a:rPr lang="en-US" dirty="0"/>
+              <a:t>    </a:t>
+            </a:r>
+            <a:r>
+              <a:rPr lang="en-US" b="1" dirty="0"/>
+              <a:t>return</a:t>
+            </a:r>
+            <a:r>
+              <a:rPr lang="en-US" dirty="0"/>
+              <a:t> </a:t>
+            </a:r>
+            <a:r>
+              <a:rPr lang="en-US" dirty="0" err="1"/>
+              <a:t>a</a:t>
+            </a:r>
+            <a:r>
+              <a:rPr lang="en-US" b="1" dirty="0" err="1"/>
+              <a:t>+</a:t>
+            </a:r>
+            <a:r>
+              <a:rPr lang="en-US" dirty="0" err="1"/>
+              <a:t>b</a:t>
+            </a:r>
+            <a:endParaRPr lang="fr-FR" b="1" dirty="0"/>
+          </a:p>
+        </p:txBody>
+      </p:sp>
+      <p:sp>
+        <p:nvSpPr>
+          <p:cNvPr id="11" name="Espace réservé du numéro de diapositive 10">
+            <a:extLst>
+              <a:ext uri="{FF2B5EF4-FFF2-40B4-BE49-F238E27FC236}">
+                <a16:creationId xmlns:a16="http://schemas.microsoft.com/office/drawing/2014/main" id="{43496856-2EC6-8CCC-9622-AB84D7206C8D}"/>
+              </a:ext>
+            </a:extLst>
+          </p:cNvPr>
+          <p:cNvSpPr>
+            <a:spLocks noGrp="1"/>
+          </p:cNvSpPr>
+          <p:nvPr>
+            <p:ph type="sldNum" sz="quarter" idx="12"/>
+          </p:nvPr>
+        </p:nvSpPr>
+        <p:spPr/>
+        <p:txBody>
+          <a:bodyPr/>
+          <a:lstStyle/>
+          <a:p>
+            <a:fld id="{B2DC25EE-239B-4C5F-AAD1-255A7D5F1EE2}" type="slidenum">
+              <a:rPr lang="en-US" smtClean="0"/>
+              <a:t>8</a:t>
+            </a:fld>
+            <a:endParaRPr lang="en-US"/>
+          </a:p>
+        </p:txBody>
+      </p:sp>
+    </p:spTree>
+    <p:extLst>
+      <p:ext uri="{BB962C8B-B14F-4D97-AF65-F5344CB8AC3E}">
+        <p14:creationId xmlns:p14="http://schemas.microsoft.com/office/powerpoint/2010/main" val="3153905942"/>
+      </p:ext>
+    </p:extLst>
+  </p:cSld>
+  <p:clrMapOvr>
+    <a:masterClrMapping/>
+  </p:clrMapOvr>
+</p:sld>
+</file>
+
+<file path=ppt/slides/slide9.xml><?xml version="1.0" encoding="utf-8"?>
+<p:sld xmlns:a="http://schemas.openxmlformats.org/drawingml/2006/main" xmlns:r="http://schemas.openxmlformats.org/officeDocument/2006/relationships" xmlns:p="http://schemas.openxmlformats.org/presentationml/2006/main">
+  <p:cSld>
+    <p:spTree>
+      <p:nvGrpSpPr>
+        <p:cNvPr id="1" name=""/>
+        <p:cNvGrpSpPr/>
+        <p:nvPr/>
+      </p:nvGrpSpPr>
+      <p:grpSpPr>
+        <a:xfrm>
+          <a:off x="0" y="0"/>
+          <a:ext cx="0" cy="0"/>
+          <a:chOff x="0" y="0"/>
+          <a:chExt cx="0" cy="0"/>
+        </a:xfrm>
+      </p:grpSpPr>
+      <p:sp>
+        <p:nvSpPr>
+          <p:cNvPr id="2" name="Titre 1">
+            <a:extLst>
+              <a:ext uri="{FF2B5EF4-FFF2-40B4-BE49-F238E27FC236}">
+                <a16:creationId xmlns:a16="http://schemas.microsoft.com/office/drawing/2014/main" id="{90162AE8-C1B0-5C56-8313-DEE494F38273}"/>
+              </a:ext>
+            </a:extLst>
+          </p:cNvPr>
+          <p:cNvSpPr>
+            <a:spLocks noGrp="1"/>
+          </p:cNvSpPr>
+          <p:nvPr>
+            <p:ph type="title"/>
+          </p:nvPr>
+        </p:nvSpPr>
+        <p:spPr/>
+        <p:txBody>
+          <a:bodyPr/>
+          <a:lstStyle/>
+          <a:p>
+            <a:r>
+              <a:rPr lang="fr-FR" dirty="0"/>
+              <a:t>Documenter ses fonctions</a:t>
+            </a:r>
+          </a:p>
+        </p:txBody>
+      </p:sp>
+      <p:sp>
+        <p:nvSpPr>
+          <p:cNvPr id="3" name="Espace réservé du contenu 2">
+            <a:extLst>
+              <a:ext uri="{FF2B5EF4-FFF2-40B4-BE49-F238E27FC236}">
+                <a16:creationId xmlns:a16="http://schemas.microsoft.com/office/drawing/2014/main" id="{E0BBB9DE-019C-C741-F224-494739D4B752}"/>
+              </a:ext>
+            </a:extLst>
+          </p:cNvPr>
+          <p:cNvSpPr>
+            <a:spLocks noGrp="1"/>
+          </p:cNvSpPr>
+          <p:nvPr>
+            <p:ph sz="half" idx="1"/>
+          </p:nvPr>
+        </p:nvSpPr>
+        <p:spPr/>
+        <p:txBody>
+          <a:bodyPr/>
+          <a:lstStyle/>
+          <a:p>
+            <a:r>
+              <a:rPr lang="fr-FR" dirty="0"/>
+              <a:t>Résultat de la doc</a:t>
+            </a:r>
+          </a:p>
+        </p:txBody>
+      </p:sp>
+      <p:pic>
+        <p:nvPicPr>
+          <p:cNvPr id="5" name="Image 4" descr="Une image contenant texte&#10;&#10;Description générée automatiquement">
+            <a:extLst>
+              <a:ext uri="{FF2B5EF4-FFF2-40B4-BE49-F238E27FC236}">
+                <a16:creationId xmlns:a16="http://schemas.microsoft.com/office/drawing/2014/main" id="{66D2630B-81F4-A4EB-21BA-8B90CF30BD92}"/>
+              </a:ext>
+            </a:extLst>
+          </p:cNvPr>
+          <p:cNvPicPr>
+            <a:picLocks noChangeAspect="1"/>
+          </p:cNvPicPr>
+          <p:nvPr/>
+        </p:nvPicPr>
+        <p:blipFill>
+          <a:blip r:embed="rId2">
+            <a:extLst>
+              <a:ext uri="{28A0092B-C50C-407E-A947-70E740481C1C}">
+                <a14:useLocalDpi xmlns:a14="http://schemas.microsoft.com/office/drawing/2010/main" val="0"/>
+              </a:ext>
+            </a:extLst>
+          </a:blip>
+          <a:stretch>
+            <a:fillRect/>
+          </a:stretch>
+        </p:blipFill>
+        <p:spPr>
+          <a:xfrm>
+            <a:off x="202922" y="5934456"/>
+            <a:ext cx="1825291" cy="749808"/>
+          </a:xfrm>
+          <a:prstGeom prst="rect">
+            <a:avLst/>
+          </a:prstGeom>
+        </p:spPr>
+      </p:pic>
+      <p:pic>
+        <p:nvPicPr>
+          <p:cNvPr id="9" name="Image 8">
+            <a:extLst>
+              <a:ext uri="{FF2B5EF4-FFF2-40B4-BE49-F238E27FC236}">
+                <a16:creationId xmlns:a16="http://schemas.microsoft.com/office/drawing/2014/main" id="{5FEBFC96-2272-AAE2-93E2-DF5A1D76A0A9}"/>
+              </a:ext>
+            </a:extLst>
+          </p:cNvPr>
+          <p:cNvPicPr>
+            <a:picLocks noChangeAspect="1"/>
+          </p:cNvPicPr>
+          <p:nvPr/>
+        </p:nvPicPr>
+        <p:blipFill>
+          <a:blip r:embed="rId3"/>
+          <a:stretch>
+            <a:fillRect/>
+          </a:stretch>
+        </p:blipFill>
+        <p:spPr>
+          <a:xfrm>
+            <a:off x="1849472" y="3154109"/>
+            <a:ext cx="8877300" cy="2524125"/>
+          </a:xfrm>
+          <a:prstGeom prst="rect">
+            <a:avLst/>
+          </a:prstGeom>
+        </p:spPr>
+      </p:pic>
+      <p:sp>
+        <p:nvSpPr>
+          <p:cNvPr id="4" name="Espace réservé du numéro de diapositive 3">
+            <a:extLst>
+              <a:ext uri="{FF2B5EF4-FFF2-40B4-BE49-F238E27FC236}">
+                <a16:creationId xmlns:a16="http://schemas.microsoft.com/office/drawing/2014/main" id="{C6AFE39F-4F16-D670-6B3B-78D365B9689B}"/>
+              </a:ext>
+            </a:extLst>
+          </p:cNvPr>
+          <p:cNvSpPr>
+            <a:spLocks noGrp="1"/>
+          </p:cNvSpPr>
+          <p:nvPr>
+            <p:ph type="sldNum" sz="quarter" idx="12"/>
+          </p:nvPr>
+        </p:nvSpPr>
+        <p:spPr/>
+        <p:txBody>
+          <a:bodyPr/>
+          <a:lstStyle/>
+          <a:p>
+            <a:fld id="{B2DC25EE-239B-4C5F-AAD1-255A7D5F1EE2}" type="slidenum">
+              <a:rPr lang="en-US" smtClean="0"/>
+              <a:t>9</a:t>
+            </a:fld>
+            <a:endParaRPr lang="en-US"/>
+          </a:p>
+        </p:txBody>
+      </p:sp>
+    </p:spTree>
+    <p:extLst>
+      <p:ext uri="{BB962C8B-B14F-4D97-AF65-F5344CB8AC3E}">
+        <p14:creationId xmlns:p14="http://schemas.microsoft.com/office/powerpoint/2010/main" val="2924525105"/>
       </p:ext>
     </p:extLst>
   </p:cSld>
@@ -6074,4 +8902,299 @@
     </a:ext>
   </a:extLst>
 </a:theme>
+</file>
+
+<file path=ppt/theme/theme2.xml><?xml version="1.0" encoding="utf-8"?>
+<a:theme xmlns:a="http://schemas.openxmlformats.org/drawingml/2006/main" name="Thème Office">
+  <a:themeElements>
+    <a:clrScheme name="Office">
+      <a:dk1>
+        <a:sysClr val="windowText" lastClr="000000"/>
+      </a:dk1>
+      <a:lt1>
+        <a:sysClr val="window" lastClr="FFFFFF"/>
+      </a:lt1>
+      <a:dk2>
+        <a:srgbClr val="44546A"/>
+      </a:dk2>
+      <a:lt2>
+        <a:srgbClr val="E7E6E6"/>
+      </a:lt2>
+      <a:accent1>
+        <a:srgbClr val="4472C4"/>
+      </a:accent1>
+      <a:accent2>
+        <a:srgbClr val="ED7D31"/>
+      </a:accent2>
+      <a:accent3>
+        <a:srgbClr val="A5A5A5"/>
+      </a:accent3>
+      <a:accent4>
+        <a:srgbClr val="FFC000"/>
+      </a:accent4>
+      <a:accent5>
+        <a:srgbClr val="5B9BD5"/>
+      </a:accent5>
+      <a:accent6>
+        <a:srgbClr val="70AD47"/>
+      </a:accent6>
+      <a:hlink>
+        <a:srgbClr val="0563C1"/>
+      </a:hlink>
+      <a:folHlink>
+        <a:srgbClr val="954F72"/>
+      </a:folHlink>
+    </a:clrScheme>
+    <a:fontScheme name="Office">
+      <a:majorFont>
+        <a:latin typeface="Calibri Light" panose="020F0302020204030204"/>
+        <a:ea typeface=""/>
+        <a:cs typeface=""/>
+        <a:font script="Jpan" typeface="游ゴシック Light"/>
+        <a:font script="Hang" typeface="맑은 고딕"/>
+        <a:font script="Hans" typeface="等线 Light"/>
+        <a:font script="Hant" typeface="新細明體"/>
+        <a:font script="Arab" typeface="Times New Roman"/>
+        <a:font script="Hebr" typeface="Times New Roman"/>
+        <a:font script="Thai" typeface="Angsana New"/>
+        <a:font script="Ethi" typeface="Nyala"/>
+        <a:font script="Beng" typeface="Vrinda"/>
+        <a:font script="Gujr" typeface="Shruti"/>
+        <a:font script="Khmr" typeface="MoolBoran"/>
+        <a:font script="Knda" typeface="Tunga"/>
+        <a:font script="Guru" typeface="Raavi"/>
+        <a:font script="Cans" typeface="Euphemia"/>
+        <a:font script="Cher" typeface="Plantagenet Cherokee"/>
+        <a:font script="Yiii" typeface="Microsoft Yi Baiti"/>
+        <a:font script="Tibt" typeface="Microsoft Himalaya"/>
+        <a:font script="Thaa" typeface="MV Boli"/>
+        <a:font script="Deva" typeface="Mangal"/>
+        <a:font script="Telu" typeface="Gautami"/>
+        <a:font script="Taml" typeface="Latha"/>
+        <a:font script="Syrc" typeface="Estrangelo Edessa"/>
+        <a:font script="Orya" typeface="Kalinga"/>
+        <a:font script="Mlym" typeface="Kartika"/>
+        <a:font script="Laoo" typeface="DokChampa"/>
+        <a:font script="Sinh" typeface="Iskoola Pota"/>
+        <a:font script="Mong" typeface="Mongolian Baiti"/>
+        <a:font script="Viet" typeface="Times New Roman"/>
+        <a:font script="Uigh" typeface="Microsoft Uighur"/>
+        <a:font script="Geor" typeface="Sylfaen"/>
+        <a:font script="Armn" typeface="Arial"/>
+        <a:font script="Bugi" typeface="Leelawadee UI"/>
+        <a:font script="Bopo" typeface="Microsoft JhengHei"/>
+        <a:font script="Java" typeface="Javanese Text"/>
+        <a:font script="Lisu" typeface="Segoe UI"/>
+        <a:font script="Mymr" typeface="Myanmar Text"/>
+        <a:font script="Nkoo" typeface="Ebrima"/>
+        <a:font script="Olck" typeface="Nirmala UI"/>
+        <a:font script="Osma" typeface="Ebrima"/>
+        <a:font script="Phag" typeface="Phagspa"/>
+        <a:font script="Syrn" typeface="Estrangelo Edessa"/>
+        <a:font script="Syrj" typeface="Estrangelo Edessa"/>
+        <a:font script="Syre" typeface="Estrangelo Edessa"/>
+        <a:font script="Sora" typeface="Nirmala UI"/>
+        <a:font script="Tale" typeface="Microsoft Tai Le"/>
+        <a:font script="Talu" typeface="Microsoft New Tai Lue"/>
+        <a:font script="Tfng" typeface="Ebrima"/>
+      </a:majorFont>
+      <a:minorFont>
+        <a:latin typeface="Calibri" panose="020F0502020204030204"/>
+        <a:ea typeface=""/>
+        <a:cs typeface=""/>
+        <a:font script="Jpan" typeface="游ゴシック"/>
+        <a:font script="Hang" typeface="맑은 고딕"/>
+        <a:font script="Hans" typeface="等线"/>
+        <a:font script="Hant" typeface="新細明體"/>
+        <a:font script="Arab" typeface="Arial"/>
+        <a:font script="Hebr" typeface="Arial"/>
+        <a:font script="Thai" typeface="Cordia New"/>
+        <a:font script="Ethi" typeface="Nyala"/>
+        <a:font script="Beng" typeface="Vrinda"/>
+        <a:font script="Gujr" typeface="Shruti"/>
+        <a:font script="Khmr" typeface="DaunPenh"/>
+        <a:font script="Knda" typeface="Tunga"/>
+        <a:font script="Guru" typeface="Raavi"/>
+        <a:font script="Cans" typeface="Euphemia"/>
+        <a:font script="Cher" typeface="Plantagenet Cherokee"/>
+        <a:font script="Yiii" typeface="Microsoft Yi Baiti"/>
+        <a:font script="Tibt" typeface="Microsoft Himalaya"/>
+        <a:font script="Thaa" typeface="MV Boli"/>
+        <a:font script="Deva" typeface="Mangal"/>
+        <a:font script="Telu" typeface="Gautami"/>
+        <a:font script="Taml" typeface="Latha"/>
+        <a:font script="Syrc" typeface="Estrangelo Edessa"/>
+        <a:font script="Orya" typeface="Kalinga"/>
+        <a:font script="Mlym" typeface="Kartika"/>
+        <a:font script="Laoo" typeface="DokChampa"/>
+        <a:font script="Sinh" typeface="Iskoola Pota"/>
+        <a:font script="Mong" typeface="Mongolian Baiti"/>
+        <a:font script="Viet" typeface="Arial"/>
+        <a:font script="Uigh" typeface="Microsoft Uighur"/>
+        <a:font script="Geor" typeface="Sylfaen"/>
+        <a:font script="Armn" typeface="Arial"/>
+        <a:font script="Bugi" typeface="Leelawadee UI"/>
+        <a:font script="Bopo" typeface="Microsoft JhengHei"/>
+        <a:font script="Java" typeface="Javanese Text"/>
+        <a:font script="Lisu" typeface="Segoe UI"/>
+        <a:font script="Mymr" typeface="Myanmar Text"/>
+        <a:font script="Nkoo" typeface="Ebrima"/>
+        <a:font script="Olck" typeface="Nirmala UI"/>
+        <a:font script="Osma" typeface="Ebrima"/>
+        <a:font script="Phag" typeface="Phagspa"/>
+        <a:font script="Syrn" typeface="Estrangelo Edessa"/>
+        <a:font script="Syrj" typeface="Estrangelo Edessa"/>
+        <a:font script="Syre" typeface="Estrangelo Edessa"/>
+        <a:font script="Sora" typeface="Nirmala UI"/>
+        <a:font script="Tale" typeface="Microsoft Tai Le"/>
+        <a:font script="Talu" typeface="Microsoft New Tai Lue"/>
+        <a:font script="Tfng" typeface="Ebrima"/>
+      </a:minorFont>
+    </a:fontScheme>
+    <a:fmtScheme name="Office">
+      <a:fillStyleLst>
+        <a:solidFill>
+          <a:schemeClr val="phClr"/>
+        </a:solidFill>
+        <a:gradFill rotWithShape="1">
+          <a:gsLst>
+            <a:gs pos="0">
+              <a:schemeClr val="phClr">
+                <a:lumMod val="110000"/>
+                <a:satMod val="105000"/>
+                <a:tint val="67000"/>
+              </a:schemeClr>
+            </a:gs>
+            <a:gs pos="50000">
+              <a:schemeClr val="phClr">
+                <a:lumMod val="105000"/>
+                <a:satMod val="103000"/>
+                <a:tint val="73000"/>
+              </a:schemeClr>
+            </a:gs>
+            <a:gs pos="100000">
+              <a:schemeClr val="phClr">
+                <a:lumMod val="105000"/>
+                <a:satMod val="109000"/>
+                <a:tint val="81000"/>
+              </a:schemeClr>
+            </a:gs>
+          </a:gsLst>
+          <a:lin ang="5400000" scaled="0"/>
+        </a:gradFill>
+        <a:gradFill rotWithShape="1">
+          <a:gsLst>
+            <a:gs pos="0">
+              <a:schemeClr val="phClr">
+                <a:satMod val="103000"/>
+                <a:lumMod val="102000"/>
+                <a:tint val="94000"/>
+              </a:schemeClr>
+            </a:gs>
+            <a:gs pos="50000">
+              <a:schemeClr val="phClr">
+                <a:satMod val="110000"/>
+                <a:lumMod val="100000"/>
+                <a:shade val="100000"/>
+              </a:schemeClr>
+            </a:gs>
+            <a:gs pos="100000">
+              <a:schemeClr val="phClr">
+                <a:lumMod val="99000"/>
+                <a:satMod val="120000"/>
+                <a:shade val="78000"/>
+              </a:schemeClr>
+            </a:gs>
+          </a:gsLst>
+          <a:lin ang="5400000" scaled="0"/>
+        </a:gradFill>
+      </a:fillStyleLst>
+      <a:lnStyleLst>
+        <a:ln w="6350" cap="flat" cmpd="sng" algn="ctr">
+          <a:solidFill>
+            <a:schemeClr val="phClr"/>
+          </a:solidFill>
+          <a:prstDash val="solid"/>
+          <a:miter lim="800000"/>
+        </a:ln>
+        <a:ln w="12700" cap="flat" cmpd="sng" algn="ctr">
+          <a:solidFill>
+            <a:schemeClr val="phClr"/>
+          </a:solidFill>
+          <a:prstDash val="solid"/>
+          <a:miter lim="800000"/>
+        </a:ln>
+        <a:ln w="19050" cap="flat" cmpd="sng" algn="ctr">
+          <a:solidFill>
+            <a:schemeClr val="phClr"/>
+          </a:solidFill>
+          <a:prstDash val="solid"/>
+          <a:miter lim="800000"/>
+        </a:ln>
+      </a:lnStyleLst>
+      <a:effectStyleLst>
+        <a:effectStyle>
+          <a:effectLst/>
+        </a:effectStyle>
+        <a:effectStyle>
+          <a:effectLst/>
+        </a:effectStyle>
+        <a:effectStyle>
+          <a:effectLst>
+            <a:outerShdw blurRad="57150" dist="19050" dir="5400000" algn="ctr" rotWithShape="0">
+              <a:srgbClr val="000000">
+                <a:alpha val="63000"/>
+              </a:srgbClr>
+            </a:outerShdw>
+          </a:effectLst>
+        </a:effectStyle>
+      </a:effectStyleLst>
+      <a:bgFillStyleLst>
+        <a:solidFill>
+          <a:schemeClr val="phClr"/>
+        </a:solidFill>
+        <a:solidFill>
+          <a:schemeClr val="phClr">
+            <a:tint val="95000"/>
+            <a:satMod val="170000"/>
+          </a:schemeClr>
+        </a:solidFill>
+        <a:gradFill rotWithShape="1">
+          <a:gsLst>
+            <a:gs pos="0">
+              <a:schemeClr val="phClr">
+                <a:tint val="93000"/>
+                <a:satMod val="150000"/>
+                <a:shade val="98000"/>
+                <a:lumMod val="102000"/>
+              </a:schemeClr>
+            </a:gs>
+            <a:gs pos="50000">
+              <a:schemeClr val="phClr">
+                <a:tint val="98000"/>
+                <a:satMod val="130000"/>
+                <a:shade val="90000"/>
+                <a:lumMod val="103000"/>
+              </a:schemeClr>
+            </a:gs>
+            <a:gs pos="100000">
+              <a:schemeClr val="phClr">
+                <a:shade val="63000"/>
+                <a:satMod val="120000"/>
+              </a:schemeClr>
+            </a:gs>
+          </a:gsLst>
+          <a:lin ang="5400000" scaled="0"/>
+        </a:gradFill>
+      </a:bgFillStyleLst>
+    </a:fmtScheme>
+  </a:themeElements>
+  <a:objectDefaults/>
+  <a:extraClrSchemeLst/>
+  <a:extLst>
+    <a:ext uri="{05A4C25C-085E-4340-85A3-A5531E510DB2}">
+      <thm15:themeFamily xmlns:thm15="http://schemas.microsoft.com/office/thememl/2012/main" name="Office Theme" id="{62F939B6-93AF-4DB8-9C6B-D6C7DFDC589F}" vid="{4A3C46E8-61CC-4603-A589-7422A47A8E4A}"/>
+    </a:ext>
+  </a:extLst>
+</a:theme>
 </file>
--- a/s5_outils_numeriques/b1_outils_numeriques/seance1_demistifier_python/B1_2_Fonctions_Modules.pptx
+++ b/s5_outils_numeriques/b1_outils_numeriques/seance1_demistifier_python/B1_2_Fonctions_Modules.pptx
@@ -7137,41 +7137,6 @@
           </a:prstGeom>
         </p:spPr>
       </p:pic>
-      <p:sp>
-        <p:nvSpPr>
-          <p:cNvPr id="6" name="ZoneTexte 5">
-            <a:extLst>
-              <a:ext uri="{FF2B5EF4-FFF2-40B4-BE49-F238E27FC236}">
-                <a16:creationId xmlns:a16="http://schemas.microsoft.com/office/drawing/2014/main" id="{C469B3E2-85F2-064E-2BFF-6C862459B6EF}"/>
-              </a:ext>
-            </a:extLst>
-          </p:cNvPr>
-          <p:cNvSpPr txBox="1"/>
-          <p:nvPr/>
-        </p:nvSpPr>
-        <p:spPr>
-          <a:xfrm>
-            <a:off x="3489584" y="5663029"/>
-            <a:ext cx="6096000" cy="646331"/>
-          </a:xfrm>
-          <a:prstGeom prst="rect">
-            <a:avLst/>
-          </a:prstGeom>
-          <a:noFill/>
-        </p:spPr>
-        <p:txBody>
-          <a:bodyPr wrap="square">
-            <a:spAutoFit/>
-          </a:bodyPr>
-          <a:lstStyle/>
-          <a:p>
-            <a:r>
-              <a:rPr lang="fr-FR" dirty="0"/>
-              <a:t>https://astrofrog.github.io/py4sci/_static/09.%20Modules%20and%20Variable%20Scope.html</a:t>
-            </a:r>
-          </a:p>
-        </p:txBody>
-      </p:sp>
       <p:sp>
         <p:nvSpPr>
           <p:cNvPr id="10" name="Espace réservé du numéro de diapositive 9">
